--- a/crimepowerpoint.pptx
+++ b/crimepowerpoint.pptx
@@ -7,11 +7,10 @@
   <p:sldIdLst>
     <p:sldId id="263" r:id="rId2"/>
     <p:sldId id="262" r:id="rId3"/>
-    <p:sldId id="264" r:id="rId4"/>
-    <p:sldId id="265" r:id="rId5"/>
-    <p:sldId id="266" r:id="rId6"/>
-    <p:sldId id="260" r:id="rId7"/>
-    <p:sldId id="261" r:id="rId8"/>
+    <p:sldId id="265" r:id="rId4"/>
+    <p:sldId id="266" r:id="rId5"/>
+    <p:sldId id="264" r:id="rId6"/>
+    <p:sldId id="267" r:id="rId7"/>
   </p:sldIdLst>
   <p:sldSz cx="12192000" cy="6858000"/>
   <p:notesSz cx="6858000" cy="9144000"/>
@@ -111,6 +110,252 @@
     </a:lvl9pPr>
   </p:defaultTextStyle>
 </p:presentation>
+</file>
+
+<file path=ppt/revisionInfo.xml><?xml version="1.0" encoding="utf-8"?>
+<p1510:revInfo xmlns:a="http://schemas.openxmlformats.org/drawingml/2006/main" xmlns:r="http://schemas.openxmlformats.org/officeDocument/2006/relationships" xmlns:p1510="http://schemas.microsoft.com/office/powerpoint/2015/10/main">
+  <p1510:revLst>
+    <p1510:client id="{90BBD792-BDAB-4C0E-86DC-C5131E5BFD8F}" v="5" dt="2021-02-24T04:47:24.587"/>
+  </p1510:revLst>
+</p1510:revInfo>
+</file>
+
+<file path=ppt/changesInfos/changesInfo1.xml><?xml version="1.0" encoding="utf-8"?>
+<pc:chgInfo xmlns:a="http://schemas.openxmlformats.org/drawingml/2006/main" xmlns:r="http://schemas.openxmlformats.org/officeDocument/2006/relationships" xmlns:ac="http://schemas.microsoft.com/office/drawing/2013/main/command" xmlns:pc="http://schemas.microsoft.com/office/powerpoint/2013/main/command">
+  <pc:docChgLst>
+    <pc:chgData name="raymond shaine balero" userId="9fec1aeac635114e" providerId="LiveId" clId="{90BBD792-BDAB-4C0E-86DC-C5131E5BFD8F}"/>
+    <pc:docChg chg="undo custSel addSld delSld modSld sldOrd">
+      <pc:chgData name="raymond shaine balero" userId="9fec1aeac635114e" providerId="LiveId" clId="{90BBD792-BDAB-4C0E-86DC-C5131E5BFD8F}" dt="2021-02-24T05:15:33.209" v="488" actId="20577"/>
+      <pc:docMkLst>
+        <pc:docMk/>
+      </pc:docMkLst>
+      <pc:sldChg chg="del">
+        <pc:chgData name="raymond shaine balero" userId="9fec1aeac635114e" providerId="LiveId" clId="{90BBD792-BDAB-4C0E-86DC-C5131E5BFD8F}" dt="2021-02-24T04:36:29.218" v="179" actId="2696"/>
+        <pc:sldMkLst>
+          <pc:docMk/>
+          <pc:sldMk cId="1874822996" sldId="260"/>
+        </pc:sldMkLst>
+      </pc:sldChg>
+      <pc:sldChg chg="del">
+        <pc:chgData name="raymond shaine balero" userId="9fec1aeac635114e" providerId="LiveId" clId="{90BBD792-BDAB-4C0E-86DC-C5131E5BFD8F}" dt="2021-02-24T04:36:20.601" v="178" actId="2696"/>
+        <pc:sldMkLst>
+          <pc:docMk/>
+          <pc:sldMk cId="3443546882" sldId="261"/>
+        </pc:sldMkLst>
+      </pc:sldChg>
+      <pc:sldChg chg="modSp mod">
+        <pc:chgData name="raymond shaine balero" userId="9fec1aeac635114e" providerId="LiveId" clId="{90BBD792-BDAB-4C0E-86DC-C5131E5BFD8F}" dt="2021-02-24T04:37:47.125" v="181" actId="207"/>
+        <pc:sldMkLst>
+          <pc:docMk/>
+          <pc:sldMk cId="4092735971" sldId="262"/>
+        </pc:sldMkLst>
+        <pc:spChg chg="mod">
+          <ac:chgData name="raymond shaine balero" userId="9fec1aeac635114e" providerId="LiveId" clId="{90BBD792-BDAB-4C0E-86DC-C5131E5BFD8F}" dt="2021-02-24T04:37:36.910" v="180" actId="207"/>
+          <ac:spMkLst>
+            <pc:docMk/>
+            <pc:sldMk cId="4092735971" sldId="262"/>
+            <ac:spMk id="2" creationId="{30FF4F34-1CDC-499E-B9AA-13B2B28DE73D}"/>
+          </ac:spMkLst>
+        </pc:spChg>
+        <pc:spChg chg="mod">
+          <ac:chgData name="raymond shaine balero" userId="9fec1aeac635114e" providerId="LiveId" clId="{90BBD792-BDAB-4C0E-86DC-C5131E5BFD8F}" dt="2021-02-24T04:37:47.125" v="181" actId="207"/>
+          <ac:spMkLst>
+            <pc:docMk/>
+            <pc:sldMk cId="4092735971" sldId="262"/>
+            <ac:spMk id="8" creationId="{7F6BA506-AEEF-4D04-943B-4DA8062A0644}"/>
+          </ac:spMkLst>
+        </pc:spChg>
+      </pc:sldChg>
+      <pc:sldChg chg="modSp mod">
+        <pc:chgData name="raymond shaine balero" userId="9fec1aeac635114e" providerId="LiveId" clId="{90BBD792-BDAB-4C0E-86DC-C5131E5BFD8F}" dt="2021-02-24T04:56:21.510" v="362" actId="20577"/>
+        <pc:sldMkLst>
+          <pc:docMk/>
+          <pc:sldMk cId="3828500846" sldId="263"/>
+        </pc:sldMkLst>
+        <pc:spChg chg="mod">
+          <ac:chgData name="raymond shaine balero" userId="9fec1aeac635114e" providerId="LiveId" clId="{90BBD792-BDAB-4C0E-86DC-C5131E5BFD8F}" dt="2021-02-24T04:56:21.510" v="362" actId="20577"/>
+          <ac:spMkLst>
+            <pc:docMk/>
+            <pc:sldMk cId="3828500846" sldId="263"/>
+            <ac:spMk id="5" creationId="{0EA66D4F-CCD7-4F47-BD62-D6BD4C0692C6}"/>
+          </ac:spMkLst>
+        </pc:spChg>
+      </pc:sldChg>
+      <pc:sldChg chg="modSp mod ord">
+        <pc:chgData name="raymond shaine balero" userId="9fec1aeac635114e" providerId="LiveId" clId="{90BBD792-BDAB-4C0E-86DC-C5131E5BFD8F}" dt="2021-02-24T04:43:56.726" v="280"/>
+        <pc:sldMkLst>
+          <pc:docMk/>
+          <pc:sldMk cId="1148714994" sldId="264"/>
+        </pc:sldMkLst>
+        <pc:spChg chg="mod">
+          <ac:chgData name="raymond shaine balero" userId="9fec1aeac635114e" providerId="LiveId" clId="{90BBD792-BDAB-4C0E-86DC-C5131E5BFD8F}" dt="2021-02-24T04:38:15.019" v="182" actId="207"/>
+          <ac:spMkLst>
+            <pc:docMk/>
+            <pc:sldMk cId="1148714994" sldId="264"/>
+            <ac:spMk id="2" creationId="{7CDC5953-BBE0-4F7E-B580-D10F1BD4D7BC}"/>
+          </ac:spMkLst>
+        </pc:spChg>
+        <pc:spChg chg="mod">
+          <ac:chgData name="raymond shaine balero" userId="9fec1aeac635114e" providerId="LiveId" clId="{90BBD792-BDAB-4C0E-86DC-C5131E5BFD8F}" dt="2021-02-24T04:43:21.729" v="278" actId="20577"/>
+          <ac:spMkLst>
+            <pc:docMk/>
+            <pc:sldMk cId="1148714994" sldId="264"/>
+            <ac:spMk id="3" creationId="{F156CA29-7FBF-4730-8413-55DAA9C1438F}"/>
+          </ac:spMkLst>
+        </pc:spChg>
+        <pc:picChg chg="mod">
+          <ac:chgData name="raymond shaine balero" userId="9fec1aeac635114e" providerId="LiveId" clId="{90BBD792-BDAB-4C0E-86DC-C5131E5BFD8F}" dt="2021-02-24T04:40:03.675" v="202" actId="207"/>
+          <ac:picMkLst>
+            <pc:docMk/>
+            <pc:sldMk cId="1148714994" sldId="264"/>
+            <ac:picMk id="4" creationId="{993CE60F-AFFE-4979-A3EF-77069E3AAB82}"/>
+          </ac:picMkLst>
+        </pc:picChg>
+      </pc:sldChg>
+      <pc:sldChg chg="modSp mod">
+        <pc:chgData name="raymond shaine balero" userId="9fec1aeac635114e" providerId="LiveId" clId="{90BBD792-BDAB-4C0E-86DC-C5131E5BFD8F}" dt="2021-02-24T04:45:19.182" v="287" actId="20577"/>
+        <pc:sldMkLst>
+          <pc:docMk/>
+          <pc:sldMk cId="2499007630" sldId="265"/>
+        </pc:sldMkLst>
+        <pc:spChg chg="mod">
+          <ac:chgData name="raymond shaine balero" userId="9fec1aeac635114e" providerId="LiveId" clId="{90BBD792-BDAB-4C0E-86DC-C5131E5BFD8F}" dt="2021-02-24T04:38:29.574" v="186" actId="207"/>
+          <ac:spMkLst>
+            <pc:docMk/>
+            <pc:sldMk cId="2499007630" sldId="265"/>
+            <ac:spMk id="2" creationId="{E58C5A0E-8137-4F5D-88ED-71EEB5DAFE87}"/>
+          </ac:spMkLst>
+        </pc:spChg>
+        <pc:spChg chg="mod">
+          <ac:chgData name="raymond shaine balero" userId="9fec1aeac635114e" providerId="LiveId" clId="{90BBD792-BDAB-4C0E-86DC-C5131E5BFD8F}" dt="2021-02-24T04:45:19.182" v="287" actId="20577"/>
+          <ac:spMkLst>
+            <pc:docMk/>
+            <pc:sldMk cId="2499007630" sldId="265"/>
+            <ac:spMk id="7" creationId="{EFB08442-0650-477E-9370-14A7BE9E3BA1}"/>
+          </ac:spMkLst>
+        </pc:spChg>
+      </pc:sldChg>
+      <pc:sldChg chg="addSp delSp modSp mod ord">
+        <pc:chgData name="raymond shaine balero" userId="9fec1aeac635114e" providerId="LiveId" clId="{90BBD792-BDAB-4C0E-86DC-C5131E5BFD8F}" dt="2021-02-24T04:44:02.653" v="282"/>
+        <pc:sldMkLst>
+          <pc:docMk/>
+          <pc:sldMk cId="2969100067" sldId="266"/>
+        </pc:sldMkLst>
+        <pc:spChg chg="mod">
+          <ac:chgData name="raymond shaine balero" userId="9fec1aeac635114e" providerId="LiveId" clId="{90BBD792-BDAB-4C0E-86DC-C5131E5BFD8F}" dt="2021-02-24T04:38:40.184" v="188" actId="207"/>
+          <ac:spMkLst>
+            <pc:docMk/>
+            <pc:sldMk cId="2969100067" sldId="266"/>
+            <ac:spMk id="2" creationId="{6EDF4748-71E0-45D1-AE45-D45BEDE288AF}"/>
+          </ac:spMkLst>
+        </pc:spChg>
+        <pc:spChg chg="del">
+          <ac:chgData name="raymond shaine balero" userId="9fec1aeac635114e" providerId="LiveId" clId="{90BBD792-BDAB-4C0E-86DC-C5131E5BFD8F}" dt="2021-02-24T04:30:57.286" v="42"/>
+          <ac:spMkLst>
+            <pc:docMk/>
+            <pc:sldMk cId="2969100067" sldId="266"/>
+            <ac:spMk id="3" creationId="{AEADE640-FB58-4B65-AC4A-34357ABF101A}"/>
+          </ac:spMkLst>
+        </pc:spChg>
+        <pc:spChg chg="add del mod">
+          <ac:chgData name="raymond shaine balero" userId="9fec1aeac635114e" providerId="LiveId" clId="{90BBD792-BDAB-4C0E-86DC-C5131E5BFD8F}" dt="2021-02-24T04:38:46.552" v="190" actId="207"/>
+          <ac:spMkLst>
+            <pc:docMk/>
+            <pc:sldMk cId="2969100067" sldId="266"/>
+            <ac:spMk id="7" creationId="{9A091E29-E40F-42B0-8B5D-38C0B71EAD5A}"/>
+          </ac:spMkLst>
+        </pc:spChg>
+        <pc:spChg chg="mod">
+          <ac:chgData name="raymond shaine balero" userId="9fec1aeac635114e" providerId="LiveId" clId="{90BBD792-BDAB-4C0E-86DC-C5131E5BFD8F}" dt="2021-02-24T04:39:42.541" v="198" actId="14100"/>
+          <ac:spMkLst>
+            <pc:docMk/>
+            <pc:sldMk cId="2969100067" sldId="266"/>
+            <ac:spMk id="10" creationId="{4EEBB3C9-58BE-43EA-AD50-5AE380CC32DE}"/>
+          </ac:spMkLst>
+        </pc:spChg>
+        <pc:grpChg chg="add mod">
+          <ac:chgData name="raymond shaine balero" userId="9fec1aeac635114e" providerId="LiveId" clId="{90BBD792-BDAB-4C0E-86DC-C5131E5BFD8F}" dt="2021-02-24T04:39:45.205" v="199" actId="1076"/>
+          <ac:grpSpMkLst>
+            <pc:docMk/>
+            <pc:sldMk cId="2969100067" sldId="266"/>
+            <ac:grpSpMk id="9" creationId="{C83C03F0-13E2-46D6-A23B-D2FD64A8E65E}"/>
+          </ac:grpSpMkLst>
+        </pc:grpChg>
+        <pc:picChg chg="add del mod">
+          <ac:chgData name="raymond shaine balero" userId="9fec1aeac635114e" providerId="LiveId" clId="{90BBD792-BDAB-4C0E-86DC-C5131E5BFD8F}" dt="2021-02-24T04:31:16.282" v="45" actId="21"/>
+          <ac:picMkLst>
+            <pc:docMk/>
+            <pc:sldMk cId="2969100067" sldId="266"/>
+            <ac:picMk id="5" creationId="{605A4DD1-DBCC-47E8-B67F-64B060B65F49}"/>
+          </ac:picMkLst>
+        </pc:picChg>
+        <pc:picChg chg="add del mod">
+          <ac:chgData name="raymond shaine balero" userId="9fec1aeac635114e" providerId="LiveId" clId="{90BBD792-BDAB-4C0E-86DC-C5131E5BFD8F}" dt="2021-02-24T04:31:58.306" v="55"/>
+          <ac:picMkLst>
+            <pc:docMk/>
+            <pc:sldMk cId="2969100067" sldId="266"/>
+            <ac:picMk id="8" creationId="{DE035F1B-211A-45C0-BF6D-40F23DBD1227}"/>
+          </ac:picMkLst>
+        </pc:picChg>
+        <pc:picChg chg="mod">
+          <ac:chgData name="raymond shaine balero" userId="9fec1aeac635114e" providerId="LiveId" clId="{90BBD792-BDAB-4C0E-86DC-C5131E5BFD8F}" dt="2021-02-24T04:39:21.207" v="195" actId="14100"/>
+          <ac:picMkLst>
+            <pc:docMk/>
+            <pc:sldMk cId="2969100067" sldId="266"/>
+            <ac:picMk id="11" creationId="{A0E2765D-5B2B-449A-B118-2ED7C876471E}"/>
+          </ac:picMkLst>
+        </pc:picChg>
+      </pc:sldChg>
+      <pc:sldChg chg="addSp delSp modSp new mod">
+        <pc:chgData name="raymond shaine balero" userId="9fec1aeac635114e" providerId="LiveId" clId="{90BBD792-BDAB-4C0E-86DC-C5131E5BFD8F}" dt="2021-02-24T05:15:33.209" v="488" actId="20577"/>
+        <pc:sldMkLst>
+          <pc:docMk/>
+          <pc:sldMk cId="3245977186" sldId="267"/>
+        </pc:sldMkLst>
+        <pc:spChg chg="mod">
+          <ac:chgData name="raymond shaine balero" userId="9fec1aeac635114e" providerId="LiveId" clId="{90BBD792-BDAB-4C0E-86DC-C5131E5BFD8F}" dt="2021-02-24T05:11:52.856" v="468" actId="20577"/>
+          <ac:spMkLst>
+            <pc:docMk/>
+            <pc:sldMk cId="3245977186" sldId="267"/>
+            <ac:spMk id="2" creationId="{1FC81D16-CCAF-4DC4-95FC-D876E8383B8B}"/>
+          </ac:spMkLst>
+        </pc:spChg>
+        <pc:spChg chg="del">
+          <ac:chgData name="raymond shaine balero" userId="9fec1aeac635114e" providerId="LiveId" clId="{90BBD792-BDAB-4C0E-86DC-C5131E5BFD8F}" dt="2021-02-24T04:47:24.587" v="289"/>
+          <ac:spMkLst>
+            <pc:docMk/>
+            <pc:sldMk cId="3245977186" sldId="267"/>
+            <ac:spMk id="3" creationId="{1826D890-6286-4DBA-A5F7-53D7DF5831B0}"/>
+          </ac:spMkLst>
+        </pc:spChg>
+        <pc:spChg chg="add del">
+          <ac:chgData name="raymond shaine balero" userId="9fec1aeac635114e" providerId="LiveId" clId="{90BBD792-BDAB-4C0E-86DC-C5131E5BFD8F}" dt="2021-02-24T05:12:20.059" v="472" actId="11529"/>
+          <ac:spMkLst>
+            <pc:docMk/>
+            <pc:sldMk cId="3245977186" sldId="267"/>
+            <ac:spMk id="6" creationId="{6B31FA50-B4B1-4085-B87D-AA3D91095086}"/>
+          </ac:spMkLst>
+        </pc:spChg>
+        <pc:spChg chg="add mod">
+          <ac:chgData name="raymond shaine balero" userId="9fec1aeac635114e" providerId="LiveId" clId="{90BBD792-BDAB-4C0E-86DC-C5131E5BFD8F}" dt="2021-02-24T05:15:33.209" v="488" actId="20577"/>
+          <ac:spMkLst>
+            <pc:docMk/>
+            <pc:sldMk cId="3245977186" sldId="267"/>
+            <ac:spMk id="8" creationId="{AF4F382A-BA09-4A3F-A121-3F10C6776C92}"/>
+          </ac:spMkLst>
+        </pc:spChg>
+        <pc:picChg chg="add mod modCrop">
+          <ac:chgData name="raymond shaine balero" userId="9fec1aeac635114e" providerId="LiveId" clId="{90BBD792-BDAB-4C0E-86DC-C5131E5BFD8F}" dt="2021-02-24T05:14:29.354" v="484" actId="732"/>
+          <ac:picMkLst>
+            <pc:docMk/>
+            <pc:sldMk cId="3245977186" sldId="267"/>
+            <ac:picMk id="5" creationId="{7412E8DF-9A8A-4170-9344-69DB353F813F}"/>
+          </ac:picMkLst>
+        </pc:picChg>
+      </pc:sldChg>
+    </pc:docChg>
+  </pc:docChgLst>
+</pc:chgInfo>
 </file>
 
 <file path=ppt/slideLayouts/slideLayout1.xml><?xml version="1.0" encoding="utf-8"?>
@@ -3845,7 +4090,7 @@
                 <a:latin typeface="Calibri" panose="020F0502020204030204" pitchFamily="34" charset="0"/>
                 <a:ea typeface="Calibri" panose="020F0502020204030204" pitchFamily="34" charset="0"/>
               </a:rPr>
-              <a:t>Question: When a crime is committed, what would the highest rate of crime be?</a:t>
+              <a:t>Question: When a crime is committed, what would the highest rate of crimes be ? And what times did these crimes occur?</a:t>
             </a:r>
             <a:endParaRPr lang="en-US" sz="4800" dirty="0">
               <a:solidFill>
@@ -3908,7 +4153,11 @@
           <a:p>
             <a:pPr algn="ctr"/>
             <a:r>
-              <a:rPr lang="en-US" dirty="0"/>
+              <a:rPr lang="en-US" dirty="0">
+                <a:solidFill>
+                  <a:schemeClr val="bg1"/>
+                </a:solidFill>
+              </a:rPr>
               <a:t>Crime Counts</a:t>
             </a:r>
           </a:p>
@@ -3941,7 +4190,11 @@
           <a:lstStyle/>
           <a:p>
             <a:r>
-              <a:rPr lang="en-US" dirty="0"/>
+              <a:rPr lang="en-US" dirty="0">
+                <a:solidFill>
+                  <a:schemeClr val="bg1"/>
+                </a:solidFill>
+              </a:rPr>
               <a:t>3 Highest Rated Crimes: Family disturbance, Burglary of Vehicles, Theft</a:t>
             </a:r>
           </a:p>
@@ -4018,169 +4271,6 @@
           <p:cNvPr id="2" name="Title 1">
             <a:extLst>
               <a:ext uri="{FF2B5EF4-FFF2-40B4-BE49-F238E27FC236}">
-                <a16:creationId xmlns:a16="http://schemas.microsoft.com/office/drawing/2014/main" id="{7CDC5953-BBE0-4F7E-B580-D10F1BD4D7BC}"/>
-              </a:ext>
-            </a:extLst>
-          </p:cNvPr>
-          <p:cNvSpPr>
-            <a:spLocks noGrp="1"/>
-          </p:cNvSpPr>
-          <p:nvPr>
-            <p:ph type="title"/>
-          </p:nvPr>
-        </p:nvSpPr>
-        <p:spPr/>
-        <p:txBody>
-          <a:bodyPr/>
-          <a:lstStyle/>
-          <a:p>
-            <a:r>
-              <a:rPr lang="en-US" dirty="0"/>
-              <a:t>Theft – at what time did this crime occur?</a:t>
-            </a:r>
-          </a:p>
-        </p:txBody>
-      </p:sp>
-      <p:sp>
-        <p:nvSpPr>
-          <p:cNvPr id="3" name="Content Placeholder 2">
-            <a:extLst>
-              <a:ext uri="{FF2B5EF4-FFF2-40B4-BE49-F238E27FC236}">
-                <a16:creationId xmlns:a16="http://schemas.microsoft.com/office/drawing/2014/main" id="{F156CA29-7FBF-4730-8413-55DAA9C1438F}"/>
-              </a:ext>
-            </a:extLst>
-          </p:cNvPr>
-          <p:cNvSpPr>
-            <a:spLocks noGrp="1"/>
-          </p:cNvSpPr>
-          <p:nvPr>
-            <p:ph idx="1"/>
-          </p:nvPr>
-        </p:nvSpPr>
-        <p:spPr>
-          <a:xfrm>
-            <a:off x="458694" y="1949450"/>
-            <a:ext cx="5279497" cy="4195763"/>
-          </a:xfrm>
-        </p:spPr>
-        <p:txBody>
-          <a:bodyPr/>
-          <a:lstStyle/>
-          <a:p>
-            <a:r>
-              <a:rPr lang="en-US" dirty="0"/>
-              <a:t>Theft rated at 18,444 occurrences</a:t>
-            </a:r>
-          </a:p>
-          <a:p>
-            <a:r>
-              <a:rPr lang="en-US" dirty="0"/>
-              <a:t>peak time of Theft occurred    at 12PM</a:t>
-            </a:r>
-          </a:p>
-        </p:txBody>
-      </p:sp>
-      <p:pic>
-        <p:nvPicPr>
-          <p:cNvPr id="4" name="Picture 3" descr="Chart, histogram&#10;&#10;Description automatically generated">
-            <a:extLst>
-              <a:ext uri="{FF2B5EF4-FFF2-40B4-BE49-F238E27FC236}">
-                <a16:creationId xmlns:a16="http://schemas.microsoft.com/office/drawing/2014/main" id="{993CE60F-AFFE-4979-A3EF-77069E3AAB82}"/>
-              </a:ext>
-            </a:extLst>
-          </p:cNvPr>
-          <p:cNvPicPr>
-            <a:picLocks noChangeAspect="1"/>
-          </p:cNvPicPr>
-          <p:nvPr/>
-        </p:nvPicPr>
-        <p:blipFill>
-          <a:blip r:embed="rId2">
-            <a:extLst>
-              <a:ext uri="{28A0092B-C50C-407E-A947-70E740481C1C}">
-                <a14:useLocalDpi xmlns:a14="http://schemas.microsoft.com/office/drawing/2010/main" val="0"/>
-              </a:ext>
-            </a:extLst>
-          </a:blip>
-          <a:stretch>
-            <a:fillRect/>
-          </a:stretch>
-        </p:blipFill>
-        <p:spPr>
-          <a:xfrm>
-            <a:off x="6247592" y="2218759"/>
-            <a:ext cx="5485714" cy="3657143"/>
-          </a:xfrm>
-          <a:prstGeom prst="rect">
-            <a:avLst/>
-          </a:prstGeom>
-          <a:solidFill>
-            <a:srgbClr val="FFFFFF">
-              <a:shade val="85000"/>
-            </a:srgbClr>
-          </a:solidFill>
-          <a:ln w="88900" cap="sq">
-            <a:solidFill>
-              <a:srgbClr val="FFFFFF"/>
-            </a:solidFill>
-            <a:miter lim="800000"/>
-          </a:ln>
-          <a:effectLst>
-            <a:outerShdw blurRad="55000" dist="18000" dir="5400000" algn="tl" rotWithShape="0">
-              <a:srgbClr val="000000">
-                <a:alpha val="40000"/>
-              </a:srgbClr>
-            </a:outerShdw>
-          </a:effectLst>
-          <a:scene3d>
-            <a:camera prst="orthographicFront"/>
-            <a:lightRig rig="twoPt" dir="t">
-              <a:rot lat="0" lon="0" rev="7200000"/>
-            </a:lightRig>
-          </a:scene3d>
-          <a:sp3d>
-            <a:bevelT w="25400" h="19050"/>
-            <a:contourClr>
-              <a:srgbClr val="FFFFFF"/>
-            </a:contourClr>
-          </a:sp3d>
-        </p:spPr>
-      </p:pic>
-    </p:spTree>
-    <p:extLst>
-      <p:ext uri="{BB962C8B-B14F-4D97-AF65-F5344CB8AC3E}">
-        <p14:creationId xmlns:p14="http://schemas.microsoft.com/office/powerpoint/2010/main" val="1148714994"/>
-      </p:ext>
-    </p:extLst>
-  </p:cSld>
-  <p:clrMapOvr>
-    <a:masterClrMapping/>
-  </p:clrMapOvr>
-</p:sld>
-</file>
-
-<file path=ppt/slides/slide4.xml><?xml version="1.0" encoding="utf-8"?>
-<p:sld xmlns:a="http://schemas.openxmlformats.org/drawingml/2006/main" xmlns:r="http://schemas.openxmlformats.org/officeDocument/2006/relationships" xmlns:p="http://schemas.openxmlformats.org/presentationml/2006/main">
-  <p:cSld>
-    <p:spTree>
-      <p:nvGrpSpPr>
-        <p:cNvPr id="1" name=""/>
-        <p:cNvGrpSpPr/>
-        <p:nvPr/>
-      </p:nvGrpSpPr>
-      <p:grpSpPr>
-        <a:xfrm>
-          <a:off x="0" y="0"/>
-          <a:ext cx="0" cy="0"/>
-          <a:chOff x="0" y="0"/>
-          <a:chExt cx="0" cy="0"/>
-        </a:xfrm>
-      </p:grpSpPr>
-      <p:sp>
-        <p:nvSpPr>
-          <p:cNvPr id="2" name="Title 1">
-            <a:extLst>
-              <a:ext uri="{FF2B5EF4-FFF2-40B4-BE49-F238E27FC236}">
                 <a16:creationId xmlns:a16="http://schemas.microsoft.com/office/drawing/2014/main" id="{E58C5A0E-8137-4F5D-88ED-71EEB5DAFE87}"/>
               </a:ext>
             </a:extLst>
@@ -4200,7 +4290,11 @@
           <a:lstStyle/>
           <a:p>
             <a:r>
-              <a:rPr lang="en-US" sz="3600" dirty="0"/>
+              <a:rPr lang="en-US" sz="3600" dirty="0">
+                <a:solidFill>
+                  <a:schemeClr val="bg1"/>
+                </a:solidFill>
+              </a:rPr>
               <a:t>Family Disturbances – what time did this occur?</a:t>
             </a:r>
           </a:p>
@@ -4339,20 +4433,32 @@
           <a:lstStyle/>
           <a:p>
             <a:r>
-              <a:rPr lang="en-US" dirty="0"/>
-              <a:t>Family Disturbances rated at 25,278</a:t>
-            </a:r>
-          </a:p>
-          <a:p>
-            <a:r>
-              <a:rPr lang="en-US" dirty="0"/>
+              <a:rPr lang="en-US" dirty="0">
+                <a:solidFill>
+                  <a:schemeClr val="bg1"/>
+                </a:solidFill>
+              </a:rPr>
+              <a:t>Family Disturbances rated at 25,278 </a:t>
+            </a:r>
+          </a:p>
+          <a:p>
+            <a:r>
+              <a:rPr lang="en-US" dirty="0">
+                <a:solidFill>
+                  <a:schemeClr val="bg1"/>
+                </a:solidFill>
+              </a:rPr>
               <a:t>Crime occurrences gradually increased from 12PM – 12AM</a:t>
             </a:r>
           </a:p>
           <a:p>
             <a:r>
-              <a:rPr lang="en-US" dirty="0"/>
-              <a:t>Peak occurrence around 12AM</a:t>
+              <a:rPr lang="en-US" dirty="0">
+                <a:solidFill>
+                  <a:schemeClr val="bg1"/>
+                </a:solidFill>
+              </a:rPr>
+              <a:t>Peak occurrence is  around 12AM</a:t>
             </a:r>
           </a:p>
         </p:txBody>
@@ -4370,7 +4476,7 @@
 </p:sld>
 </file>
 
-<file path=ppt/slides/slide5.xml><?xml version="1.0" encoding="utf-8"?>
+<file path=ppt/slides/slide4.xml><?xml version="1.0" encoding="utf-8"?>
 <p:sld xmlns:a="http://schemas.openxmlformats.org/drawingml/2006/main" xmlns:r="http://schemas.openxmlformats.org/officeDocument/2006/relationships" xmlns:p="http://schemas.openxmlformats.org/presentationml/2006/main">
   <p:cSld>
     <p:spTree>
@@ -4405,548 +4511,65 @@
         </p:nvSpPr>
         <p:spPr/>
         <p:txBody>
-          <a:bodyPr/>
-          <a:lstStyle/>
-          <a:p>
-            <a:r>
-              <a:rPr lang="en-US" dirty="0"/>
-              <a:t>Burglary of  Vehicle: </a:t>
-            </a:r>
-          </a:p>
-        </p:txBody>
-      </p:sp>
-      <p:sp>
-        <p:nvSpPr>
-          <p:cNvPr id="3" name="Content Placeholder 2">
-            <a:extLst>
-              <a:ext uri="{FF2B5EF4-FFF2-40B4-BE49-F238E27FC236}">
-                <a16:creationId xmlns:a16="http://schemas.microsoft.com/office/drawing/2014/main" id="{AEADE640-FB58-4B65-AC4A-34357ABF101A}"/>
-              </a:ext>
-            </a:extLst>
-          </p:cNvPr>
-          <p:cNvSpPr>
-            <a:spLocks noGrp="1"/>
-          </p:cNvSpPr>
-          <p:nvPr>
-            <p:ph idx="1"/>
-          </p:nvPr>
-        </p:nvSpPr>
-        <p:spPr/>
-        <p:txBody>
-          <a:bodyPr/>
-          <a:lstStyle/>
-          <a:p>
-            <a:endParaRPr lang="en-US"/>
-          </a:p>
-        </p:txBody>
-      </p:sp>
-    </p:spTree>
-    <p:extLst>
-      <p:ext uri="{BB962C8B-B14F-4D97-AF65-F5344CB8AC3E}">
-        <p14:creationId xmlns:p14="http://schemas.microsoft.com/office/powerpoint/2010/main" val="2969100067"/>
-      </p:ext>
-    </p:extLst>
-  </p:cSld>
-  <p:clrMapOvr>
-    <a:masterClrMapping/>
-  </p:clrMapOvr>
-</p:sld>
-</file>
-
-<file path=ppt/slides/slide6.xml><?xml version="1.0" encoding="utf-8"?>
-<p:sld xmlns:a="http://schemas.openxmlformats.org/drawingml/2006/main" xmlns:r="http://schemas.openxmlformats.org/officeDocument/2006/relationships" xmlns:p="http://schemas.openxmlformats.org/presentationml/2006/main">
-  <p:cSld>
-    <p:bg>
-      <p:bgPr>
-        <a:solidFill>
-          <a:schemeClr val="bg1"/>
-        </a:solidFill>
-        <a:effectLst/>
-      </p:bgPr>
-    </p:bg>
-    <p:spTree>
-      <p:nvGrpSpPr>
-        <p:cNvPr id="1" name=""/>
-        <p:cNvGrpSpPr/>
-        <p:nvPr/>
-      </p:nvGrpSpPr>
-      <p:grpSpPr>
-        <a:xfrm>
-          <a:off x="0" y="0"/>
-          <a:ext cx="0" cy="0"/>
-          <a:chOff x="0" y="0"/>
-          <a:chExt cx="0" cy="0"/>
-        </a:xfrm>
-      </p:grpSpPr>
-      <p:sp useBgFill="1">
-        <p:nvSpPr>
-          <p:cNvPr id="9" name="Rectangle 8">
-            <a:extLst>
-              <a:ext uri="{FF2B5EF4-FFF2-40B4-BE49-F238E27FC236}">
-                <a16:creationId xmlns:a16="http://schemas.microsoft.com/office/drawing/2014/main" id="{1E644DE9-8D09-43E2-BA69-F57482CFC93A}"/>
-              </a:ext>
-              <a:ext uri="{C183D7F6-B498-43B3-948B-1728B52AA6E4}">
-                <adec:decorative xmlns:adec="http://schemas.microsoft.com/office/drawing/2017/decorative" val="1"/>
-              </a:ext>
-            </a:extLst>
-          </p:cNvPr>
-          <p:cNvSpPr>
-            <a:spLocks noGrp="1" noRot="1" noChangeAspect="1" noMove="1" noResize="1" noEditPoints="1" noAdjustHandles="1" noChangeArrowheads="1" noChangeShapeType="1" noTextEdit="1"/>
-          </p:cNvSpPr>
-          <p:nvPr>
-            <p:extLst>
-              <p:ext uri="{386F3935-93C4-4BCD-93E2-E3B085C9AB24}">
-                <p16:designElem xmlns:p16="http://schemas.microsoft.com/office/powerpoint/2015/main" val="1"/>
-              </p:ext>
-            </p:extLst>
-          </p:nvPr>
-        </p:nvSpPr>
-        <p:spPr>
-          <a:xfrm>
-            <a:off x="0" y="0"/>
-            <a:ext cx="12188952" cy="6858000"/>
-          </a:xfrm>
-          <a:prstGeom prst="rect">
-            <a:avLst/>
-          </a:prstGeom>
-          <a:ln>
-            <a:noFill/>
-          </a:ln>
-        </p:spPr>
-        <p:style>
-          <a:lnRef idx="2">
-            <a:schemeClr val="accent1">
-              <a:shade val="50000"/>
-            </a:schemeClr>
-          </a:lnRef>
-          <a:fillRef idx="1">
-            <a:schemeClr val="accent1"/>
-          </a:fillRef>
-          <a:effectRef idx="0">
-            <a:schemeClr val="accent1"/>
-          </a:effectRef>
-          <a:fontRef idx="minor">
-            <a:schemeClr val="lt1"/>
-          </a:fontRef>
-        </p:style>
-        <p:txBody>
-          <a:bodyPr rtlCol="0" anchor="ctr"/>
-          <a:lstStyle/>
-          <a:p>
-            <a:pPr algn="ctr"/>
-            <a:endParaRPr lang="en-US" dirty="0">
-              <a:solidFill>
-                <a:schemeClr val="tx1">
-                  <a:lumMod val="65000"/>
-                  <a:lumOff val="35000"/>
-                </a:schemeClr>
-              </a:solidFill>
-              <a:latin typeface="AvenirNext LT Pro Medium" panose="020B0504020202020204" pitchFamily="34" charset="0"/>
-            </a:endParaRPr>
-          </a:p>
-        </p:txBody>
-      </p:sp>
-      <p:sp>
-        <p:nvSpPr>
-          <p:cNvPr id="11" name="Rectangle 10">
-            <a:extLst>
-              <a:ext uri="{FF2B5EF4-FFF2-40B4-BE49-F238E27FC236}">
-                <a16:creationId xmlns:a16="http://schemas.microsoft.com/office/drawing/2014/main" id="{6C23C919-B32E-40FF-B3D8-631316E84E3E}"/>
-              </a:ext>
-              <a:ext uri="{C183D7F6-B498-43B3-948B-1728B52AA6E4}">
-                <adec:decorative xmlns:adec="http://schemas.microsoft.com/office/drawing/2017/decorative" val="1"/>
-              </a:ext>
-            </a:extLst>
-          </p:cNvPr>
-          <p:cNvSpPr>
-            <a:spLocks noGrp="1" noRot="1" noChangeAspect="1" noMove="1" noResize="1" noEditPoints="1" noAdjustHandles="1" noChangeArrowheads="1" noChangeShapeType="1" noTextEdit="1"/>
-          </p:cNvSpPr>
-          <p:nvPr>
-            <p:extLst>
-              <p:ext uri="{386F3935-93C4-4BCD-93E2-E3B085C9AB24}">
-                <p16:designElem xmlns:p16="http://schemas.microsoft.com/office/powerpoint/2015/main" val="1"/>
-              </p:ext>
-            </p:extLst>
-          </p:nvPr>
-        </p:nvSpPr>
-        <p:spPr>
-          <a:xfrm>
-            <a:off x="0" y="0"/>
-            <a:ext cx="12192000" cy="6858000"/>
-          </a:xfrm>
-          <a:prstGeom prst="rect">
-            <a:avLst/>
-          </a:prstGeom>
-          <a:solidFill>
-            <a:srgbClr val="000000"/>
-          </a:solidFill>
-          <a:ln>
-            <a:noFill/>
-          </a:ln>
-        </p:spPr>
-        <p:style>
-          <a:lnRef idx="2">
-            <a:schemeClr val="accent1">
-              <a:shade val="50000"/>
-            </a:schemeClr>
-          </a:lnRef>
-          <a:fillRef idx="1">
-            <a:schemeClr val="accent1"/>
-          </a:fillRef>
-          <a:effectRef idx="0">
-            <a:schemeClr val="accent1"/>
-          </a:effectRef>
-          <a:fontRef idx="minor">
-            <a:schemeClr val="lt1"/>
-          </a:fontRef>
-        </p:style>
-        <p:txBody>
-          <a:bodyPr rtlCol="0" anchor="ctr"/>
-          <a:lstStyle/>
-          <a:p>
-            <a:pPr algn="ctr"/>
-            <a:endParaRPr lang="en-US" dirty="0">
-              <a:solidFill>
-                <a:schemeClr val="tx1">
-                  <a:lumMod val="65000"/>
-                  <a:lumOff val="35000"/>
-                </a:schemeClr>
-              </a:solidFill>
-              <a:latin typeface="AvenirNext LT Pro Medium" panose="020B0504020202020204" pitchFamily="34" charset="0"/>
-            </a:endParaRPr>
-          </a:p>
-        </p:txBody>
-      </p:sp>
-      <p:pic>
-        <p:nvPicPr>
-          <p:cNvPr id="4" name="Picture 3" descr="Technological background">
-            <a:extLst>
-              <a:ext uri="{FF2B5EF4-FFF2-40B4-BE49-F238E27FC236}">
-                <a16:creationId xmlns:a16="http://schemas.microsoft.com/office/drawing/2014/main" id="{C8F5ED7E-4C1E-41FD-8DF0-B840671492D7}"/>
-              </a:ext>
-            </a:extLst>
-          </p:cNvPr>
-          <p:cNvPicPr>
-            <a:picLocks noChangeAspect="1"/>
-          </p:cNvPicPr>
-          <p:nvPr/>
-        </p:nvPicPr>
-        <p:blipFill rotWithShape="1">
-          <a:blip r:embed="rId2">
-            <a:alphaModFix amt="60000"/>
-          </a:blip>
-          <a:srcRect t="5122" b="10626"/>
-          <a:stretch/>
-        </p:blipFill>
-        <p:spPr>
-          <a:xfrm>
-            <a:off x="-73554" y="-2"/>
-            <a:ext cx="12191980" cy="6856614"/>
-          </a:xfrm>
-          <a:prstGeom prst="rect">
-            <a:avLst/>
-          </a:prstGeom>
-        </p:spPr>
-      </p:pic>
-      <p:grpSp>
-        <p:nvGrpSpPr>
-          <p:cNvPr id="13" name="Group 12">
-            <a:extLst>
-              <a:ext uri="{FF2B5EF4-FFF2-40B4-BE49-F238E27FC236}">
-                <a16:creationId xmlns:a16="http://schemas.microsoft.com/office/drawing/2014/main" id="{5EDAD761-2CF4-463A-AD87-1D4E8549D7A5}"/>
-              </a:ext>
-              <a:ext uri="{C183D7F6-B498-43B3-948B-1728B52AA6E4}">
-                <adec:decorative xmlns:adec="http://schemas.microsoft.com/office/drawing/2017/decorative" val="1"/>
-              </a:ext>
-            </a:extLst>
-          </p:cNvPr>
-          <p:cNvGrpSpPr>
-            <a:grpSpLocks noGrp="1" noUngrp="1" noRot="1" noChangeAspect="1" noMove="1" noResize="1"/>
-          </p:cNvGrpSpPr>
-          <p:nvPr>
-            <p:extLst>
-              <p:ext uri="{386F3935-93C4-4BCD-93E2-E3B085C9AB24}">
-                <p16:designElem xmlns:p16="http://schemas.microsoft.com/office/powerpoint/2015/main" val="1"/>
-              </p:ext>
-            </p:extLst>
-          </p:nvPr>
-        </p:nvGrpSpPr>
-        <p:grpSpPr>
-          <a:xfrm>
-            <a:off x="4464881" y="0"/>
-            <a:ext cx="7724071" cy="6858000"/>
-            <a:chOff x="4464881" y="0"/>
-            <a:chExt cx="7724071" cy="6858000"/>
-          </a:xfrm>
-        </p:grpSpPr>
-        <p:pic>
-          <p:nvPicPr>
-            <p:cNvPr id="14" name="Picture 13">
-              <a:extLst>
-                <a:ext uri="{FF2B5EF4-FFF2-40B4-BE49-F238E27FC236}">
-                  <a16:creationId xmlns:a16="http://schemas.microsoft.com/office/drawing/2014/main" id="{D9DF7D3C-2892-4632-9E66-4D1E023A00E6}"/>
-                </a:ext>
-                <a:ext uri="{C183D7F6-B498-43B3-948B-1728B52AA6E4}">
-                  <adec:decorative xmlns:adec="http://schemas.microsoft.com/office/drawing/2017/decorative" val="1"/>
-                </a:ext>
-              </a:extLst>
-            </p:cNvPr>
-            <p:cNvPicPr>
-              <a:picLocks noChangeAspect="1"/>
-            </p:cNvPicPr>
-            <p:nvPr>
-              <p:extLst>
-                <p:ext uri="{386F3935-93C4-4BCD-93E2-E3B085C9AB24}">
-                  <p16:designElem xmlns:p16="http://schemas.microsoft.com/office/powerpoint/2015/main" val="1"/>
-                </p:ext>
-              </p:extLst>
-            </p:nvPr>
-          </p:nvPicPr>
-          <p:blipFill>
-            <a:blip r:embed="rId3">
-              <a:alphaModFix amt="25000"/>
-              <a:extLst>
-                <a:ext uri="{28A0092B-C50C-407E-A947-70E740481C1C}">
-                  <a14:useLocalDpi xmlns:a14="http://schemas.microsoft.com/office/drawing/2010/main" val="0"/>
-                </a:ext>
-              </a:extLst>
-            </a:blip>
-            <a:stretch>
-              <a:fillRect/>
-            </a:stretch>
-          </p:blipFill>
-          <p:spPr>
-            <a:xfrm>
-              <a:off x="7073255" y="0"/>
-              <a:ext cx="5115697" cy="6858000"/>
-            </a:xfrm>
-            <a:prstGeom prst="rect">
-              <a:avLst/>
-            </a:prstGeom>
-          </p:spPr>
-        </p:pic>
-        <p:pic>
-          <p:nvPicPr>
-            <p:cNvPr id="15" name="Picture 14">
-              <a:extLst>
-                <a:ext uri="{FF2B5EF4-FFF2-40B4-BE49-F238E27FC236}">
-                  <a16:creationId xmlns:a16="http://schemas.microsoft.com/office/drawing/2014/main" id="{3D2FAD08-001D-4400-AF80-51C864EF74FF}"/>
-                </a:ext>
-                <a:ext uri="{C183D7F6-B498-43B3-948B-1728B52AA6E4}">
-                  <adec:decorative xmlns:adec="http://schemas.microsoft.com/office/drawing/2017/decorative" val="1"/>
-                </a:ext>
-              </a:extLst>
-            </p:cNvPr>
-            <p:cNvPicPr>
-              <a:picLocks noChangeAspect="1"/>
-            </p:cNvPicPr>
-            <p:nvPr>
-              <p:extLst>
-                <p:ext uri="{386F3935-93C4-4BCD-93E2-E3B085C9AB24}">
-                  <p16:designElem xmlns:p16="http://schemas.microsoft.com/office/powerpoint/2015/main" val="1"/>
-                </p:ext>
-              </p:extLst>
-            </p:nvPr>
-          </p:nvPicPr>
-          <p:blipFill>
-            <a:blip r:embed="rId4">
-              <a:alphaModFix amt="15000"/>
-              <a:extLst>
-                <a:ext uri="{28A0092B-C50C-407E-A947-70E740481C1C}">
-                  <a14:useLocalDpi xmlns:a14="http://schemas.microsoft.com/office/drawing/2010/main" val="0"/>
-                </a:ext>
-              </a:extLst>
-            </a:blip>
-            <a:stretch>
-              <a:fillRect/>
-            </a:stretch>
-          </p:blipFill>
-          <p:spPr>
-            <a:xfrm rot="16200000">
-              <a:off x="5412135" y="-947254"/>
-              <a:ext cx="5562598" cy="7457106"/>
-            </a:xfrm>
-            <a:prstGeom prst="rect">
-              <a:avLst/>
-            </a:prstGeom>
-            <a:effectLst>
-              <a:softEdge rad="0"/>
-            </a:effectLst>
-          </p:spPr>
-        </p:pic>
-      </p:grpSp>
-      <p:sp>
-        <p:nvSpPr>
-          <p:cNvPr id="3" name="Subtitle 2">
-            <a:extLst>
-              <a:ext uri="{FF2B5EF4-FFF2-40B4-BE49-F238E27FC236}">
-                <a16:creationId xmlns:a16="http://schemas.microsoft.com/office/drawing/2014/main" id="{76E4A2C6-156D-41C8-BC1B-D9AB35E169AA}"/>
-              </a:ext>
-            </a:extLst>
-          </p:cNvPr>
-          <p:cNvSpPr>
-            <a:spLocks noGrp="1"/>
-          </p:cNvSpPr>
-          <p:nvPr>
-            <p:ph type="subTitle" idx="1"/>
-          </p:nvPr>
-        </p:nvSpPr>
-        <p:spPr>
-          <a:xfrm>
-            <a:off x="838200" y="4074515"/>
-            <a:ext cx="7583133" cy="1279124"/>
-          </a:xfrm>
-        </p:spPr>
-        <p:txBody>
-          <a:bodyPr>
-            <a:normAutofit lnSpcReduction="10000"/>
-          </a:bodyPr>
-          <a:lstStyle/>
-          <a:p>
-            <a:pPr marL="0" marR="0">
-              <a:lnSpc>
-                <a:spcPct val="107000"/>
-              </a:lnSpc>
-              <a:spcBef>
-                <a:spcPts val="0"/>
-              </a:spcBef>
-              <a:spcAft>
-                <a:spcPts val="800"/>
-              </a:spcAft>
-            </a:pPr>
-            <a:r>
-              <a:rPr lang="en-US" sz="7200" dirty="0">
-                <a:solidFill>
-                  <a:schemeClr val="bg1">
-                    <a:lumMod val="95000"/>
-                  </a:schemeClr>
-                </a:solidFill>
-              </a:rPr>
-              <a:t>      </a:t>
-            </a:r>
-            <a:endParaRPr lang="en-US" sz="7200" dirty="0">
-              <a:solidFill>
-                <a:schemeClr val="bg2">
-                  <a:lumMod val="90000"/>
-                </a:schemeClr>
-              </a:solidFill>
-              <a:effectLst/>
-              <a:latin typeface="Calibri" panose="020F0502020204030204" pitchFamily="34" charset="0"/>
-              <a:ea typeface="Calibri" panose="020F0502020204030204" pitchFamily="34" charset="0"/>
-              <a:cs typeface="Times New Roman" panose="02020603050405020304" pitchFamily="18" charset="0"/>
-            </a:endParaRPr>
-          </a:p>
-          <a:p>
-            <a:pPr marL="342900" indent="-342900" algn="l">
-              <a:buFont typeface="Arial" panose="020B0604020202020204" pitchFamily="34" charset="0"/>
-              <a:buChar char="•"/>
-            </a:pPr>
-            <a:endParaRPr lang="en-US" sz="3600" dirty="0">
-              <a:solidFill>
-                <a:schemeClr val="bg1">
-                  <a:lumMod val="95000"/>
-                </a:schemeClr>
-              </a:solidFill>
-            </a:endParaRPr>
-          </a:p>
-        </p:txBody>
-      </p:sp>
-      <p:sp>
-        <p:nvSpPr>
-          <p:cNvPr id="6" name="Title 5">
-            <a:extLst>
-              <a:ext uri="{FF2B5EF4-FFF2-40B4-BE49-F238E27FC236}">
-                <a16:creationId xmlns:a16="http://schemas.microsoft.com/office/drawing/2014/main" id="{FBAFD73F-0268-467A-B300-A7448F44D6D0}"/>
-              </a:ext>
-            </a:extLst>
-          </p:cNvPr>
-          <p:cNvSpPr>
-            <a:spLocks noGrp="1"/>
-          </p:cNvSpPr>
-          <p:nvPr>
-            <p:ph type="ctrTitle"/>
-          </p:nvPr>
-        </p:nvSpPr>
-        <p:spPr/>
-        <p:txBody>
           <a:bodyPr>
             <a:normAutofit fontScale="90000"/>
           </a:bodyPr>
           <a:lstStyle/>
           <a:p>
-            <a:pPr marL="0" marR="0">
-              <a:lnSpc>
-                <a:spcPct val="107000"/>
-              </a:lnSpc>
-              <a:spcBef>
-                <a:spcPts val="0"/>
-              </a:spcBef>
-              <a:spcAft>
-                <a:spcPts val="800"/>
-              </a:spcAft>
-            </a:pPr>
-            <a:r>
-              <a:rPr lang="en-US" sz="4000" b="1" dirty="0">
+            <a:r>
+              <a:rPr lang="en-US" dirty="0">
                 <a:solidFill>
                   <a:schemeClr val="bg1"/>
                 </a:solidFill>
-                <a:effectLst/>
-                <a:latin typeface="Calibri" panose="020F0502020204030204" pitchFamily="34" charset="0"/>
-                <a:ea typeface="Calibri" panose="020F0502020204030204" pitchFamily="34" charset="0"/>
-                <a:cs typeface="Calibri" panose="020F0502020204030204" pitchFamily="34" charset="0"/>
               </a:rPr>
-              <a:t>Second highest crime that rated next was burglary of vehicle rated 23,572</a:t>
-            </a:r>
-            <a:r>
-              <a:rPr lang="en-US" sz="4000" b="1" dirty="0">
-                <a:effectLst/>
-                <a:latin typeface="Calibri" panose="020F0502020204030204" pitchFamily="34" charset="0"/>
-                <a:ea typeface="Calibri" panose="020F0502020204030204" pitchFamily="34" charset="0"/>
-                <a:cs typeface="Calibri" panose="020F0502020204030204" pitchFamily="34" charset="0"/>
+              <a:t>Burglary of  Vehicle: rated at 23,572 in occurrences as a second highest crime</a:t>
+            </a:r>
+          </a:p>
+        </p:txBody>
+      </p:sp>
+      <p:sp>
+        <p:nvSpPr>
+          <p:cNvPr id="7" name="Content Placeholder 6">
+            <a:extLst>
+              <a:ext uri="{FF2B5EF4-FFF2-40B4-BE49-F238E27FC236}">
+                <a16:creationId xmlns:a16="http://schemas.microsoft.com/office/drawing/2014/main" id="{9A091E29-E40F-42B0-8B5D-38C0B71EAD5A}"/>
+              </a:ext>
+            </a:extLst>
+          </p:cNvPr>
+          <p:cNvSpPr>
+            <a:spLocks noGrp="1"/>
+          </p:cNvSpPr>
+          <p:nvPr>
+            <p:ph idx="1"/>
+          </p:nvPr>
+        </p:nvSpPr>
+        <p:spPr>
+          <a:xfrm>
+            <a:off x="458694" y="1949450"/>
+            <a:ext cx="5447596" cy="4195763"/>
+          </a:xfrm>
+        </p:spPr>
+        <p:txBody>
+          <a:bodyPr/>
+          <a:lstStyle/>
+          <a:p>
+            <a:r>
+              <a:rPr lang="en-US" dirty="0">
+                <a:solidFill>
+                  <a:schemeClr val="bg1"/>
+                </a:solidFill>
               </a:rPr>
-              <a:t>.</a:t>
-            </a:r>
-            <a:br>
-              <a:rPr lang="en-US" sz="1800" dirty="0">
-                <a:effectLst/>
-                <a:latin typeface="Calibri" panose="020F0502020204030204" pitchFamily="34" charset="0"/>
-                <a:ea typeface="Calibri" panose="020F0502020204030204" pitchFamily="34" charset="0"/>
-                <a:cs typeface="Times New Roman" panose="02020603050405020304" pitchFamily="18" charset="0"/>
-              </a:rPr>
-            </a:br>
-            <a:r>
-              <a:rPr lang="en-US" sz="4000" b="1" dirty="0">
-                <a:effectLst/>
-                <a:latin typeface="Calibri" panose="020F0502020204030204" pitchFamily="34" charset="0"/>
-                <a:ea typeface="Calibri" panose="020F0502020204030204" pitchFamily="34" charset="0"/>
-                <a:cs typeface="Calibri" panose="020F0502020204030204" pitchFamily="34" charset="0"/>
-              </a:rPr>
-              <a:t> </a:t>
-            </a:r>
-            <a:br>
-              <a:rPr lang="en-US" sz="1800" dirty="0">
-                <a:effectLst/>
-                <a:latin typeface="Calibri" panose="020F0502020204030204" pitchFamily="34" charset="0"/>
-                <a:ea typeface="Calibri" panose="020F0502020204030204" pitchFamily="34" charset="0"/>
-                <a:cs typeface="Times New Roman" panose="02020603050405020304" pitchFamily="18" charset="0"/>
-              </a:rPr>
-            </a:br>
-            <a:endParaRPr lang="en-US" sz="4000" dirty="0">
-              <a:solidFill>
-                <a:schemeClr val="bg1">
-                  <a:lumMod val="95000"/>
-                </a:schemeClr>
-              </a:solidFill>
-            </a:endParaRPr>
+              <a:t>Burglary of vehicle peak times rated the highest at 12am and from 4:30 -11pm </a:t>
+            </a:r>
           </a:p>
         </p:txBody>
       </p:sp>
       <p:grpSp>
         <p:nvGrpSpPr>
-          <p:cNvPr id="12" name="Group 11">
-            <a:extLst>
-              <a:ext uri="{FF2B5EF4-FFF2-40B4-BE49-F238E27FC236}">
-                <a16:creationId xmlns:a16="http://schemas.microsoft.com/office/drawing/2014/main" id="{D118BC4B-81A2-4F0D-A40D-AE412C29A746}"/>
+          <p:cNvPr id="9" name="Group 8">
+            <a:extLst>
+              <a:ext uri="{FF2B5EF4-FFF2-40B4-BE49-F238E27FC236}">
+                <a16:creationId xmlns:a16="http://schemas.microsoft.com/office/drawing/2014/main" id="{C83C03F0-13E2-46D6-A23B-D2FD64A8E65E}"/>
               </a:ext>
             </a:extLst>
           </p:cNvPr>
@@ -4955,8 +4578,8 @@
         </p:nvGrpSpPr>
         <p:grpSpPr>
           <a:xfrm>
-            <a:off x="7942232" y="3052459"/>
-            <a:ext cx="5666649" cy="3657143"/>
+            <a:off x="6285712" y="2150601"/>
+            <a:ext cx="5666649" cy="3793460"/>
             <a:chOff x="7942232" y="3052459"/>
             <a:chExt cx="5666649" cy="3657143"/>
           </a:xfrm>
@@ -4966,7 +4589,7 @@
             <p:cNvPr id="10" name="Rectangle 9">
               <a:extLst>
                 <a:ext uri="{FF2B5EF4-FFF2-40B4-BE49-F238E27FC236}">
-                  <a16:creationId xmlns:a16="http://schemas.microsoft.com/office/drawing/2014/main" id="{6D37FD05-8494-485B-AA4F-EC22E1E9A25A}"/>
+                  <a16:creationId xmlns:a16="http://schemas.microsoft.com/office/drawing/2014/main" id="{4EEBB3C9-58BE-43EA-AD50-5AE380CC32DE}"/>
                 </a:ext>
               </a:extLst>
             </p:cNvPr>
@@ -4976,7 +4599,7 @@
           <p:spPr>
             <a:xfrm>
               <a:off x="7942232" y="3287749"/>
-              <a:ext cx="5632842" cy="3186562"/>
+              <a:ext cx="5632842" cy="3421853"/>
             </a:xfrm>
             <a:prstGeom prst="rect">
               <a:avLst/>
@@ -5017,10 +4640,10 @@
         </p:sp>
         <p:pic>
           <p:nvPicPr>
-            <p:cNvPr id="8" name="Picture 7" descr="Chart, histogram&#10;&#10;Description automatically generated">
+            <p:cNvPr id="11" name="Picture 10" descr="Chart, histogram&#10;&#10;Description automatically generated">
               <a:extLst>
                 <a:ext uri="{FF2B5EF4-FFF2-40B4-BE49-F238E27FC236}">
-                  <a16:creationId xmlns:a16="http://schemas.microsoft.com/office/drawing/2014/main" id="{D4182F45-7707-437D-8F63-EEF4EE9F5690}"/>
+                  <a16:creationId xmlns:a16="http://schemas.microsoft.com/office/drawing/2014/main" id="{A0E2765D-5B2B-449A-B118-2ED7C876471E}"/>
                 </a:ext>
               </a:extLst>
             </p:cNvPr>
@@ -5030,7 +4653,7 @@
             <p:nvPr/>
           </p:nvPicPr>
           <p:blipFill>
-            <a:blip r:embed="rId5">
+            <a:blip r:embed="rId2">
               <a:extLst>
                 <a:ext uri="{28A0092B-C50C-407E-A947-70E740481C1C}">
                   <a14:useLocalDpi xmlns:a14="http://schemas.microsoft.com/office/drawing/2010/main" val="0"/>
@@ -5050,9 +4673,7 @@
               <a:avLst/>
             </a:prstGeom>
             <a:ln>
-              <a:solidFill>
-                <a:schemeClr val="bg1"/>
-              </a:solidFill>
+              <a:noFill/>
             </a:ln>
           </p:spPr>
         </p:pic>
@@ -5060,7 +4681,7 @@
     </p:spTree>
     <p:extLst>
       <p:ext uri="{BB962C8B-B14F-4D97-AF65-F5344CB8AC3E}">
-        <p14:creationId xmlns:p14="http://schemas.microsoft.com/office/powerpoint/2010/main" val="1874822996"/>
+        <p14:creationId xmlns:p14="http://schemas.microsoft.com/office/powerpoint/2010/main" val="2969100067"/>
       </p:ext>
     </p:extLst>
   </p:cSld>
@@ -5070,17 +4691,9 @@
 </p:sld>
 </file>
 
-<file path=ppt/slides/slide7.xml><?xml version="1.0" encoding="utf-8"?>
+<file path=ppt/slides/slide5.xml><?xml version="1.0" encoding="utf-8"?>
 <p:sld xmlns:a="http://schemas.openxmlformats.org/drawingml/2006/main" xmlns:r="http://schemas.openxmlformats.org/officeDocument/2006/relationships" xmlns:p="http://schemas.openxmlformats.org/presentationml/2006/main">
   <p:cSld>
-    <p:bg>
-      <p:bgPr>
-        <a:solidFill>
-          <a:schemeClr val="bg1"/>
-        </a:solidFill>
-        <a:effectLst/>
-      </p:bgPr>
-    </p:bg>
     <p:spTree>
       <p:nvGrpSpPr>
         <p:cNvPr id="1" name=""/>
@@ -5095,461 +4708,421 @@
           <a:chExt cx="0" cy="0"/>
         </a:xfrm>
       </p:grpSpPr>
-      <p:sp useBgFill="1">
-        <p:nvSpPr>
-          <p:cNvPr id="9" name="Rectangle 8">
-            <a:extLst>
-              <a:ext uri="{FF2B5EF4-FFF2-40B4-BE49-F238E27FC236}">
-                <a16:creationId xmlns:a16="http://schemas.microsoft.com/office/drawing/2014/main" id="{1E644DE9-8D09-43E2-BA69-F57482CFC93A}"/>
-              </a:ext>
-              <a:ext uri="{C183D7F6-B498-43B3-948B-1728B52AA6E4}">
-                <adec:decorative xmlns:adec="http://schemas.microsoft.com/office/drawing/2017/decorative" val="1"/>
-              </a:ext>
-            </a:extLst>
-          </p:cNvPr>
-          <p:cNvSpPr>
-            <a:spLocks noGrp="1" noRot="1" noChangeAspect="1" noMove="1" noResize="1" noEditPoints="1" noAdjustHandles="1" noChangeArrowheads="1" noChangeShapeType="1" noTextEdit="1"/>
-          </p:cNvSpPr>
-          <p:nvPr>
-            <p:extLst>
-              <p:ext uri="{386F3935-93C4-4BCD-93E2-E3B085C9AB24}">
-                <p16:designElem xmlns:p16="http://schemas.microsoft.com/office/powerpoint/2015/main" val="1"/>
-              </p:ext>
-            </p:extLst>
+      <p:sp>
+        <p:nvSpPr>
+          <p:cNvPr id="2" name="Title 1">
+            <a:extLst>
+              <a:ext uri="{FF2B5EF4-FFF2-40B4-BE49-F238E27FC236}">
+                <a16:creationId xmlns:a16="http://schemas.microsoft.com/office/drawing/2014/main" id="{7CDC5953-BBE0-4F7E-B580-D10F1BD4D7BC}"/>
+              </a:ext>
+            </a:extLst>
+          </p:cNvPr>
+          <p:cNvSpPr>
+            <a:spLocks noGrp="1"/>
+          </p:cNvSpPr>
+          <p:nvPr>
+            <p:ph type="title"/>
+          </p:nvPr>
+        </p:nvSpPr>
+        <p:spPr/>
+        <p:txBody>
+          <a:bodyPr/>
+          <a:lstStyle/>
+          <a:p>
+            <a:r>
+              <a:rPr lang="en-US" dirty="0">
+                <a:solidFill>
+                  <a:schemeClr val="bg1"/>
+                </a:solidFill>
+              </a:rPr>
+              <a:t>Theft – at what time did this crime occur?</a:t>
+            </a:r>
+          </a:p>
+        </p:txBody>
+      </p:sp>
+      <p:sp>
+        <p:nvSpPr>
+          <p:cNvPr id="3" name="Content Placeholder 2">
+            <a:extLst>
+              <a:ext uri="{FF2B5EF4-FFF2-40B4-BE49-F238E27FC236}">
+                <a16:creationId xmlns:a16="http://schemas.microsoft.com/office/drawing/2014/main" id="{F156CA29-7FBF-4730-8413-55DAA9C1438F}"/>
+              </a:ext>
+            </a:extLst>
+          </p:cNvPr>
+          <p:cNvSpPr>
+            <a:spLocks noGrp="1"/>
+          </p:cNvSpPr>
+          <p:nvPr>
+            <p:ph idx="1"/>
           </p:nvPr>
         </p:nvSpPr>
         <p:spPr>
           <a:xfrm>
-            <a:off x="0" y="0"/>
-            <a:ext cx="12188952" cy="6858000"/>
+            <a:off x="458694" y="1949450"/>
+            <a:ext cx="5279497" cy="4195763"/>
           </a:xfrm>
-          <a:prstGeom prst="rect">
-            <a:avLst/>
-          </a:prstGeom>
-          <a:ln>
-            <a:noFill/>
-          </a:ln>
         </p:spPr>
-        <p:style>
-          <a:lnRef idx="2">
-            <a:schemeClr val="accent1">
-              <a:shade val="50000"/>
-            </a:schemeClr>
-          </a:lnRef>
-          <a:fillRef idx="1">
-            <a:schemeClr val="accent1"/>
-          </a:fillRef>
-          <a:effectRef idx="0">
-            <a:schemeClr val="accent1"/>
-          </a:effectRef>
-          <a:fontRef idx="minor">
-            <a:schemeClr val="lt1"/>
-          </a:fontRef>
-        </p:style>
-        <p:txBody>
-          <a:bodyPr rtlCol="0" anchor="ctr"/>
-          <a:lstStyle/>
-          <a:p>
-            <a:pPr algn="ctr"/>
-            <a:endParaRPr lang="en-US" dirty="0">
-              <a:solidFill>
-                <a:schemeClr val="tx1">
-                  <a:lumMod val="65000"/>
-                  <a:lumOff val="35000"/>
-                </a:schemeClr>
-              </a:solidFill>
-              <a:latin typeface="AvenirNext LT Pro Medium" panose="020B0504020202020204" pitchFamily="34" charset="0"/>
-            </a:endParaRPr>
-          </a:p>
-        </p:txBody>
-      </p:sp>
-      <p:sp>
-        <p:nvSpPr>
-          <p:cNvPr id="11" name="Rectangle 10">
-            <a:extLst>
-              <a:ext uri="{FF2B5EF4-FFF2-40B4-BE49-F238E27FC236}">
-                <a16:creationId xmlns:a16="http://schemas.microsoft.com/office/drawing/2014/main" id="{6C23C919-B32E-40FF-B3D8-631316E84E3E}"/>
-              </a:ext>
-              <a:ext uri="{C183D7F6-B498-43B3-948B-1728B52AA6E4}">
-                <adec:decorative xmlns:adec="http://schemas.microsoft.com/office/drawing/2017/decorative" val="1"/>
-              </a:ext>
-            </a:extLst>
-          </p:cNvPr>
-          <p:cNvSpPr>
-            <a:spLocks noGrp="1" noRot="1" noChangeAspect="1" noMove="1" noResize="1" noEditPoints="1" noAdjustHandles="1" noChangeArrowheads="1" noChangeShapeType="1" noTextEdit="1"/>
-          </p:cNvSpPr>
-          <p:nvPr>
-            <p:extLst>
-              <p:ext uri="{386F3935-93C4-4BCD-93E2-E3B085C9AB24}">
-                <p16:designElem xmlns:p16="http://schemas.microsoft.com/office/powerpoint/2015/main" val="1"/>
-              </p:ext>
-            </p:extLst>
-          </p:nvPr>
-        </p:nvSpPr>
+        <p:txBody>
+          <a:bodyPr/>
+          <a:lstStyle/>
+          <a:p>
+            <a:r>
+              <a:rPr lang="en-US" dirty="0">
+                <a:solidFill>
+                  <a:schemeClr val="bg1"/>
+                </a:solidFill>
+              </a:rPr>
+              <a:t>Theft rated at 18,444 occurrences</a:t>
+            </a:r>
+          </a:p>
+          <a:p>
+            <a:r>
+              <a:rPr lang="en-US" dirty="0">
+                <a:solidFill>
+                  <a:schemeClr val="bg1"/>
+                </a:solidFill>
+              </a:rPr>
+              <a:t>peak time of Theft occurred    at 12PM</a:t>
+            </a:r>
+          </a:p>
+          <a:p>
+            <a:r>
+              <a:rPr lang="en-US" dirty="0">
+                <a:solidFill>
+                  <a:schemeClr val="bg1"/>
+                </a:solidFill>
+              </a:rPr>
+              <a:t>Other occurrences between the hours of 4PM – 8PM</a:t>
+            </a:r>
+          </a:p>
+        </p:txBody>
+      </p:sp>
+      <p:pic>
+        <p:nvPicPr>
+          <p:cNvPr id="4" name="Picture 3" descr="Chart, histogram&#10;&#10;Description automatically generated">
+            <a:extLst>
+              <a:ext uri="{FF2B5EF4-FFF2-40B4-BE49-F238E27FC236}">
+                <a16:creationId xmlns:a16="http://schemas.microsoft.com/office/drawing/2014/main" id="{993CE60F-AFFE-4979-A3EF-77069E3AAB82}"/>
+              </a:ext>
+            </a:extLst>
+          </p:cNvPr>
+          <p:cNvPicPr>
+            <a:picLocks noChangeAspect="1"/>
+          </p:cNvPicPr>
+          <p:nvPr/>
+        </p:nvPicPr>
+        <p:blipFill>
+          <a:blip r:embed="rId2">
+            <a:extLst>
+              <a:ext uri="{28A0092B-C50C-407E-A947-70E740481C1C}">
+                <a14:useLocalDpi xmlns:a14="http://schemas.microsoft.com/office/drawing/2010/main" val="0"/>
+              </a:ext>
+            </a:extLst>
+          </a:blip>
+          <a:stretch>
+            <a:fillRect/>
+          </a:stretch>
+        </p:blipFill>
         <p:spPr>
           <a:xfrm>
-            <a:off x="0" y="0"/>
-            <a:ext cx="12192000" cy="6858000"/>
+            <a:off x="6247592" y="2218759"/>
+            <a:ext cx="5485714" cy="3657143"/>
           </a:xfrm>
           <a:prstGeom prst="rect">
             <a:avLst/>
           </a:prstGeom>
           <a:solidFill>
-            <a:srgbClr val="000000"/>
+            <a:schemeClr val="bg1"/>
           </a:solidFill>
-          <a:ln>
-            <a:noFill/>
+          <a:ln w="88900" cap="sq">
+            <a:solidFill>
+              <a:srgbClr val="FFFFFF"/>
+            </a:solidFill>
+            <a:miter lim="800000"/>
           </a:ln>
+          <a:effectLst>
+            <a:outerShdw blurRad="55000" dist="18000" dir="5400000" algn="tl" rotWithShape="0">
+              <a:srgbClr val="000000">
+                <a:alpha val="40000"/>
+              </a:srgbClr>
+            </a:outerShdw>
+          </a:effectLst>
+          <a:scene3d>
+            <a:camera prst="orthographicFront"/>
+            <a:lightRig rig="twoPt" dir="t">
+              <a:rot lat="0" lon="0" rev="7200000"/>
+            </a:lightRig>
+          </a:scene3d>
+          <a:sp3d>
+            <a:bevelT w="25400" h="19050"/>
+            <a:contourClr>
+              <a:srgbClr val="FFFFFF"/>
+            </a:contourClr>
+          </a:sp3d>
         </p:spPr>
-        <p:style>
-          <a:lnRef idx="2">
-            <a:schemeClr val="accent1">
-              <a:shade val="50000"/>
-            </a:schemeClr>
-          </a:lnRef>
-          <a:fillRef idx="1">
-            <a:schemeClr val="accent1"/>
-          </a:fillRef>
-          <a:effectRef idx="0">
-            <a:schemeClr val="accent1"/>
-          </a:effectRef>
-          <a:fontRef idx="minor">
-            <a:schemeClr val="lt1"/>
-          </a:fontRef>
-        </p:style>
-        <p:txBody>
-          <a:bodyPr rtlCol="0" anchor="ctr"/>
-          <a:lstStyle/>
-          <a:p>
-            <a:pPr algn="ctr"/>
-            <a:endParaRPr lang="en-US" dirty="0">
-              <a:solidFill>
-                <a:schemeClr val="tx1">
-                  <a:lumMod val="65000"/>
-                  <a:lumOff val="35000"/>
-                </a:schemeClr>
-              </a:solidFill>
-              <a:latin typeface="AvenirNext LT Pro Medium" panose="020B0504020202020204" pitchFamily="34" charset="0"/>
-            </a:endParaRPr>
+      </p:pic>
+    </p:spTree>
+    <p:extLst>
+      <p:ext uri="{BB962C8B-B14F-4D97-AF65-F5344CB8AC3E}">
+        <p14:creationId xmlns:p14="http://schemas.microsoft.com/office/powerpoint/2010/main" val="1148714994"/>
+      </p:ext>
+    </p:extLst>
+  </p:cSld>
+  <p:clrMapOvr>
+    <a:masterClrMapping/>
+  </p:clrMapOvr>
+</p:sld>
+</file>
+
+<file path=ppt/slides/slide6.xml><?xml version="1.0" encoding="utf-8"?>
+<p:sld xmlns:a="http://schemas.openxmlformats.org/drawingml/2006/main" xmlns:r="http://schemas.openxmlformats.org/officeDocument/2006/relationships" xmlns:p="http://schemas.openxmlformats.org/presentationml/2006/main">
+  <p:cSld>
+    <p:spTree>
+      <p:nvGrpSpPr>
+        <p:cNvPr id="1" name=""/>
+        <p:cNvGrpSpPr/>
+        <p:nvPr/>
+      </p:nvGrpSpPr>
+      <p:grpSpPr>
+        <a:xfrm>
+          <a:off x="0" y="0"/>
+          <a:ext cx="0" cy="0"/>
+          <a:chOff x="0" y="0"/>
+          <a:chExt cx="0" cy="0"/>
+        </a:xfrm>
+      </p:grpSpPr>
+      <p:sp>
+        <p:nvSpPr>
+          <p:cNvPr id="2" name="Title 1">
+            <a:extLst>
+              <a:ext uri="{FF2B5EF4-FFF2-40B4-BE49-F238E27FC236}">
+                <a16:creationId xmlns:a16="http://schemas.microsoft.com/office/drawing/2014/main" id="{1FC81D16-CCAF-4DC4-95FC-D876E8383B8B}"/>
+              </a:ext>
+            </a:extLst>
+          </p:cNvPr>
+          <p:cNvSpPr>
+            <a:spLocks noGrp="1"/>
+          </p:cNvSpPr>
+          <p:nvPr>
+            <p:ph type="title"/>
+          </p:nvPr>
+        </p:nvSpPr>
+        <p:spPr/>
+        <p:txBody>
+          <a:bodyPr/>
+          <a:lstStyle/>
+          <a:p>
+            <a:r>
+              <a:rPr lang="en-US" dirty="0">
+                <a:solidFill>
+                  <a:schemeClr val="bg1"/>
+                </a:solidFill>
+              </a:rPr>
+              <a:t>Comparison of  3 Highest Crimes </a:t>
+            </a:r>
           </a:p>
         </p:txBody>
       </p:sp>
       <p:pic>
         <p:nvPicPr>
-          <p:cNvPr id="4" name="Picture 3" descr="Technological background">
-            <a:extLst>
-              <a:ext uri="{FF2B5EF4-FFF2-40B4-BE49-F238E27FC236}">
-                <a16:creationId xmlns:a16="http://schemas.microsoft.com/office/drawing/2014/main" id="{C8F5ED7E-4C1E-41FD-8DF0-B840671492D7}"/>
+          <p:cNvPr id="5" name="Content Placeholder 4" descr="Chart&#10;&#10;Description automatically generated">
+            <a:extLst>
+              <a:ext uri="{FF2B5EF4-FFF2-40B4-BE49-F238E27FC236}">
+                <a16:creationId xmlns:a16="http://schemas.microsoft.com/office/drawing/2014/main" id="{7412E8DF-9A8A-4170-9344-69DB353F813F}"/>
               </a:ext>
             </a:extLst>
           </p:cNvPr>
           <p:cNvPicPr>
-            <a:picLocks noChangeAspect="1"/>
+            <a:picLocks noGrp="1" noChangeAspect="1"/>
           </p:cNvPicPr>
-          <p:nvPr/>
+          <p:nvPr>
+            <p:ph idx="1"/>
+          </p:nvPr>
         </p:nvPicPr>
         <p:blipFill rotWithShape="1">
           <a:blip r:embed="rId2">
-            <a:alphaModFix amt="60000"/>
+            <a:extLst>
+              <a:ext uri="{28A0092B-C50C-407E-A947-70E740481C1C}">
+                <a14:useLocalDpi xmlns:a14="http://schemas.microsoft.com/office/drawing/2010/main" val="0"/>
+              </a:ext>
+            </a:extLst>
           </a:blip>
-          <a:srcRect t="5122" b="10626"/>
+          <a:srcRect r="6949"/>
           <a:stretch/>
         </p:blipFill>
         <p:spPr>
           <a:xfrm>
-            <a:off x="20" y="10"/>
-            <a:ext cx="12191980" cy="6856614"/>
+            <a:off x="6339148" y="1828800"/>
+            <a:ext cx="5760087" cy="4126844"/>
+          </a:xfrm>
+          <a:solidFill>
+            <a:schemeClr val="bg1"/>
+          </a:solidFill>
+        </p:spPr>
+      </p:pic>
+      <p:sp>
+        <p:nvSpPr>
+          <p:cNvPr id="8" name="TextBox 7">
+            <a:extLst>
+              <a:ext uri="{FF2B5EF4-FFF2-40B4-BE49-F238E27FC236}">
+                <a16:creationId xmlns:a16="http://schemas.microsoft.com/office/drawing/2014/main" id="{AF4F382A-BA09-4A3F-A121-3F10C6776C92}"/>
+              </a:ext>
+            </a:extLst>
+          </p:cNvPr>
+          <p:cNvSpPr txBox="1"/>
+          <p:nvPr/>
+        </p:nvSpPr>
+        <p:spPr>
+          <a:xfrm>
+            <a:off x="458693" y="1691323"/>
+            <a:ext cx="5630507" cy="5755037"/>
           </a:xfrm>
           <a:prstGeom prst="rect">
             <a:avLst/>
           </a:prstGeom>
         </p:spPr>
-      </p:pic>
-      <p:grpSp>
-        <p:nvGrpSpPr>
-          <p:cNvPr id="13" name="Group 12">
-            <a:extLst>
-              <a:ext uri="{FF2B5EF4-FFF2-40B4-BE49-F238E27FC236}">
-                <a16:creationId xmlns:a16="http://schemas.microsoft.com/office/drawing/2014/main" id="{5EDAD761-2CF4-463A-AD87-1D4E8549D7A5}"/>
-              </a:ext>
-              <a:ext uri="{C183D7F6-B498-43B3-948B-1728B52AA6E4}">
-                <adec:decorative xmlns:adec="http://schemas.microsoft.com/office/drawing/2017/decorative" val="1"/>
-              </a:ext>
-            </a:extLst>
-          </p:cNvPr>
-          <p:cNvGrpSpPr>
-            <a:grpSpLocks noGrp="1" noUngrp="1" noRot="1" noChangeAspect="1" noMove="1" noResize="1"/>
-          </p:cNvGrpSpPr>
-          <p:nvPr>
-            <p:extLst>
-              <p:ext uri="{386F3935-93C4-4BCD-93E2-E3B085C9AB24}">
-                <p16:designElem xmlns:p16="http://schemas.microsoft.com/office/powerpoint/2015/main" val="1"/>
-              </p:ext>
-            </p:extLst>
-          </p:nvPr>
-        </p:nvGrpSpPr>
-        <p:grpSpPr>
-          <a:xfrm>
-            <a:off x="4464881" y="0"/>
-            <a:ext cx="7724071" cy="6858000"/>
-            <a:chOff x="4464881" y="0"/>
-            <a:chExt cx="7724071" cy="6858000"/>
-          </a:xfrm>
-        </p:grpSpPr>
-        <p:pic>
-          <p:nvPicPr>
-            <p:cNvPr id="14" name="Picture 13">
-              <a:extLst>
-                <a:ext uri="{FF2B5EF4-FFF2-40B4-BE49-F238E27FC236}">
-                  <a16:creationId xmlns:a16="http://schemas.microsoft.com/office/drawing/2014/main" id="{D9DF7D3C-2892-4632-9E66-4D1E023A00E6}"/>
-                </a:ext>
-                <a:ext uri="{C183D7F6-B498-43B3-948B-1728B52AA6E4}">
-                  <adec:decorative xmlns:adec="http://schemas.microsoft.com/office/drawing/2017/decorative" val="1"/>
-                </a:ext>
-              </a:extLst>
-            </p:cNvPr>
-            <p:cNvPicPr>
-              <a:picLocks noChangeAspect="1"/>
-            </p:cNvPicPr>
-            <p:nvPr>
-              <p:extLst>
-                <p:ext uri="{386F3935-93C4-4BCD-93E2-E3B085C9AB24}">
-                  <p16:designElem xmlns:p16="http://schemas.microsoft.com/office/powerpoint/2015/main" val="1"/>
-                </p:ext>
-              </p:extLst>
-            </p:nvPr>
-          </p:nvPicPr>
-          <p:blipFill>
-            <a:blip r:embed="rId3">
-              <a:alphaModFix amt="25000"/>
-              <a:extLst>
-                <a:ext uri="{28A0092B-C50C-407E-A947-70E740481C1C}">
-                  <a14:useLocalDpi xmlns:a14="http://schemas.microsoft.com/office/drawing/2010/main" val="0"/>
-                </a:ext>
-              </a:extLst>
-            </a:blip>
-            <a:stretch>
-              <a:fillRect/>
-            </a:stretch>
-          </p:blipFill>
-          <p:spPr>
-            <a:xfrm>
-              <a:off x="7073255" y="0"/>
-              <a:ext cx="5115697" cy="6858000"/>
-            </a:xfrm>
-            <a:prstGeom prst="rect">
-              <a:avLst/>
-            </a:prstGeom>
-          </p:spPr>
-        </p:pic>
-        <p:pic>
-          <p:nvPicPr>
-            <p:cNvPr id="15" name="Picture 14">
-              <a:extLst>
-                <a:ext uri="{FF2B5EF4-FFF2-40B4-BE49-F238E27FC236}">
-                  <a16:creationId xmlns:a16="http://schemas.microsoft.com/office/drawing/2014/main" id="{3D2FAD08-001D-4400-AF80-51C864EF74FF}"/>
-                </a:ext>
-                <a:ext uri="{C183D7F6-B498-43B3-948B-1728B52AA6E4}">
-                  <adec:decorative xmlns:adec="http://schemas.microsoft.com/office/drawing/2017/decorative" val="1"/>
-                </a:ext>
-              </a:extLst>
-            </p:cNvPr>
-            <p:cNvPicPr>
-              <a:picLocks noChangeAspect="1"/>
-            </p:cNvPicPr>
-            <p:nvPr>
-              <p:extLst>
-                <p:ext uri="{386F3935-93C4-4BCD-93E2-E3B085C9AB24}">
-                  <p16:designElem xmlns:p16="http://schemas.microsoft.com/office/powerpoint/2015/main" val="1"/>
-                </p:ext>
-              </p:extLst>
-            </p:nvPr>
-          </p:nvPicPr>
-          <p:blipFill>
-            <a:blip r:embed="rId4">
-              <a:alphaModFix amt="15000"/>
-              <a:extLst>
-                <a:ext uri="{28A0092B-C50C-407E-A947-70E740481C1C}">
-                  <a14:useLocalDpi xmlns:a14="http://schemas.microsoft.com/office/drawing/2010/main" val="0"/>
-                </a:ext>
-              </a:extLst>
-            </a:blip>
-            <a:stretch>
-              <a:fillRect/>
-            </a:stretch>
-          </p:blipFill>
-          <p:spPr>
-            <a:xfrm rot="16200000">
-              <a:off x="5412135" y="-947254"/>
-              <a:ext cx="5562598" cy="7457106"/>
-            </a:xfrm>
-            <a:prstGeom prst="rect">
-              <a:avLst/>
-            </a:prstGeom>
-            <a:effectLst>
-              <a:softEdge rad="0"/>
-            </a:effectLst>
-          </p:spPr>
-        </p:pic>
-      </p:grpSp>
-      <p:sp>
-        <p:nvSpPr>
-          <p:cNvPr id="3" name="Subtitle 2">
-            <a:extLst>
-              <a:ext uri="{FF2B5EF4-FFF2-40B4-BE49-F238E27FC236}">
-                <a16:creationId xmlns:a16="http://schemas.microsoft.com/office/drawing/2014/main" id="{76E4A2C6-156D-41C8-BC1B-D9AB35E169AA}"/>
-              </a:ext>
-            </a:extLst>
-          </p:cNvPr>
-          <p:cNvSpPr>
-            <a:spLocks noGrp="1"/>
-          </p:cNvSpPr>
-          <p:nvPr>
-            <p:ph type="subTitle" idx="1"/>
-          </p:nvPr>
-        </p:nvSpPr>
-        <p:spPr>
-          <a:xfrm>
-            <a:off x="838200" y="4074515"/>
-            <a:ext cx="7583133" cy="1279124"/>
-          </a:xfrm>
-        </p:spPr>
-        <p:txBody>
-          <a:bodyPr>
-            <a:normAutofit lnSpcReduction="10000"/>
+        <p:txBody>
+          <a:bodyPr vert="horz" lIns="91440" tIns="45720" rIns="91440" bIns="45720" rtlCol="0">
+            <a:normAutofit/>
           </a:bodyPr>
-          <a:lstStyle/>
-          <a:p>
-            <a:pPr marL="0" marR="0">
+          <a:lstStyle>
+            <a:lvl1pPr marL="228600" indent="-228600">
               <a:lnSpc>
-                <a:spcPct val="107000"/>
+                <a:spcPct val="110000"/>
               </a:lnSpc>
               <a:spcBef>
-                <a:spcPts val="0"/>
+                <a:spcPts val="1000"/>
               </a:spcBef>
-              <a:spcAft>
-                <a:spcPts val="800"/>
-              </a:spcAft>
-            </a:pPr>
-            <a:r>
-              <a:rPr lang="en-US" sz="7200" dirty="0">
-                <a:solidFill>
-                  <a:schemeClr val="bg1">
-                    <a:lumMod val="95000"/>
-                  </a:schemeClr>
-                </a:solidFill>
-              </a:rPr>
-              <a:t>      </a:t>
-            </a:r>
-            <a:endParaRPr lang="en-US" sz="7200" dirty="0">
-              <a:solidFill>
-                <a:schemeClr val="bg2">
-                  <a:lumMod val="90000"/>
-                </a:schemeClr>
-              </a:solidFill>
-              <a:effectLst/>
-              <a:latin typeface="Calibri" panose="020F0502020204030204" pitchFamily="34" charset="0"/>
-              <a:ea typeface="Calibri" panose="020F0502020204030204" pitchFamily="34" charset="0"/>
-              <a:cs typeface="Times New Roman" panose="02020603050405020304" pitchFamily="18" charset="0"/>
-            </a:endParaRPr>
-          </a:p>
-          <a:p>
-            <a:pPr marL="342900" indent="-342900" algn="l">
+              <a:buClr>
+                <a:schemeClr val="accent1"/>
+              </a:buClr>
               <a:buFont typeface="Arial" panose="020B0604020202020204" pitchFamily="34" charset="0"/>
               <a:buChar char="•"/>
-            </a:pPr>
-            <a:endParaRPr lang="en-US" sz="3600" dirty="0">
-              <a:solidFill>
-                <a:schemeClr val="bg1">
-                  <a:lumMod val="95000"/>
-                </a:schemeClr>
-              </a:solidFill>
-            </a:endParaRPr>
-          </a:p>
-        </p:txBody>
-      </p:sp>
-      <p:sp>
-        <p:nvSpPr>
-          <p:cNvPr id="6" name="Title 5">
-            <a:extLst>
-              <a:ext uri="{FF2B5EF4-FFF2-40B4-BE49-F238E27FC236}">
-                <a16:creationId xmlns:a16="http://schemas.microsoft.com/office/drawing/2014/main" id="{FBAFD73F-0268-467A-B300-A7448F44D6D0}"/>
-              </a:ext>
-            </a:extLst>
-          </p:cNvPr>
-          <p:cNvSpPr>
-            <a:spLocks noGrp="1"/>
-          </p:cNvSpPr>
-          <p:nvPr>
-            <p:ph type="ctrTitle"/>
-          </p:nvPr>
-        </p:nvSpPr>
-        <p:spPr/>
-        <p:txBody>
-          <a:bodyPr>
-            <a:normAutofit/>
-          </a:bodyPr>
-          <a:lstStyle/>
-          <a:p>
-            <a:pPr marL="0" marR="0">
+              <a:defRPr sz="2800">
+                <a:solidFill>
+                  <a:schemeClr val="bg1"/>
+                </a:solidFill>
+              </a:defRPr>
+            </a:lvl1pPr>
+            <a:lvl2pPr marL="685800" indent="-228600">
               <a:lnSpc>
-                <a:spcPct val="107000"/>
+                <a:spcPct val="110000"/>
               </a:lnSpc>
               <a:spcBef>
-                <a:spcPts val="0"/>
+                <a:spcPts val="500"/>
               </a:spcBef>
-              <a:spcAft>
-                <a:spcPts val="800"/>
-              </a:spcAft>
-            </a:pPr>
-            <a:r>
-              <a:rPr lang="en-US" sz="4000" b="1" dirty="0">
-                <a:effectLst/>
-                <a:latin typeface="Calibri" panose="020F0502020204030204" pitchFamily="34" charset="0"/>
-                <a:ea typeface="Calibri" panose="020F0502020204030204" pitchFamily="34" charset="0"/>
-                <a:cs typeface="Calibri" panose="020F0502020204030204" pitchFamily="34" charset="0"/>
-              </a:rPr>
-              <a:t>.</a:t>
-            </a:r>
-            <a:br>
-              <a:rPr lang="en-US" sz="1800" dirty="0">
-                <a:effectLst/>
-                <a:latin typeface="Calibri" panose="020F0502020204030204" pitchFamily="34" charset="0"/>
-                <a:ea typeface="Calibri" panose="020F0502020204030204" pitchFamily="34" charset="0"/>
-                <a:cs typeface="Times New Roman" panose="02020603050405020304" pitchFamily="18" charset="0"/>
-              </a:rPr>
-            </a:br>
-            <a:r>
-              <a:rPr lang="en-US" sz="4000" b="1" dirty="0">
-                <a:effectLst/>
-                <a:latin typeface="Calibri" panose="020F0502020204030204" pitchFamily="34" charset="0"/>
-                <a:ea typeface="Calibri" panose="020F0502020204030204" pitchFamily="34" charset="0"/>
-                <a:cs typeface="Calibri" panose="020F0502020204030204" pitchFamily="34" charset="0"/>
-              </a:rPr>
-              <a:t> </a:t>
-            </a:r>
-            <a:br>
-              <a:rPr lang="en-US" sz="1800" dirty="0">
-                <a:effectLst/>
-                <a:latin typeface="Calibri" panose="020F0502020204030204" pitchFamily="34" charset="0"/>
-                <a:ea typeface="Calibri" panose="020F0502020204030204" pitchFamily="34" charset="0"/>
-                <a:cs typeface="Times New Roman" panose="02020603050405020304" pitchFamily="18" charset="0"/>
-              </a:rPr>
-            </a:br>
-            <a:endParaRPr lang="en-US" sz="4000" dirty="0">
-              <a:solidFill>
-                <a:schemeClr val="bg1">
-                  <a:lumMod val="95000"/>
-                </a:schemeClr>
-              </a:solidFill>
-            </a:endParaRPr>
+              <a:buClr>
+                <a:schemeClr val="accent1"/>
+              </a:buClr>
+              <a:buFont typeface="Arial" panose="020B0604020202020204" pitchFamily="34" charset="0"/>
+              <a:buChar char="•"/>
+              <a:defRPr sz="2400"/>
+            </a:lvl2pPr>
+            <a:lvl3pPr marL="1143000" indent="-228600">
+              <a:lnSpc>
+                <a:spcPct val="110000"/>
+              </a:lnSpc>
+              <a:spcBef>
+                <a:spcPts val="500"/>
+              </a:spcBef>
+              <a:buClr>
+                <a:schemeClr val="accent1"/>
+              </a:buClr>
+              <a:buFont typeface="Arial" panose="020B0604020202020204" pitchFamily="34" charset="0"/>
+              <a:buChar char="•"/>
+              <a:defRPr sz="2000"/>
+            </a:lvl3pPr>
+            <a:lvl4pPr marL="1600200" indent="-228600">
+              <a:lnSpc>
+                <a:spcPct val="110000"/>
+              </a:lnSpc>
+              <a:spcBef>
+                <a:spcPts val="500"/>
+              </a:spcBef>
+              <a:buClr>
+                <a:schemeClr val="accent1"/>
+              </a:buClr>
+              <a:buFont typeface="Arial" panose="020B0604020202020204" pitchFamily="34" charset="0"/>
+              <a:buChar char="•"/>
+              <a:defRPr/>
+            </a:lvl4pPr>
+            <a:lvl5pPr marL="2057400" indent="-228600">
+              <a:lnSpc>
+                <a:spcPct val="110000"/>
+              </a:lnSpc>
+              <a:spcBef>
+                <a:spcPts val="500"/>
+              </a:spcBef>
+              <a:buClr>
+                <a:schemeClr val="accent1"/>
+              </a:buClr>
+              <a:buFont typeface="Arial" panose="020B0604020202020204" pitchFamily="34" charset="0"/>
+              <a:buChar char="•"/>
+              <a:defRPr/>
+            </a:lvl5pPr>
+            <a:lvl6pPr marL="2514600" indent="-228600">
+              <a:lnSpc>
+                <a:spcPct val="90000"/>
+              </a:lnSpc>
+              <a:spcBef>
+                <a:spcPts val="500"/>
+              </a:spcBef>
+              <a:buFont typeface="Arial" panose="020B0604020202020204" pitchFamily="34" charset="0"/>
+              <a:buChar char="•"/>
+              <a:defRPr/>
+            </a:lvl6pPr>
+            <a:lvl7pPr marL="2971800" indent="-228600">
+              <a:lnSpc>
+                <a:spcPct val="90000"/>
+              </a:lnSpc>
+              <a:spcBef>
+                <a:spcPts val="500"/>
+              </a:spcBef>
+              <a:buFont typeface="Arial" panose="020B0604020202020204" pitchFamily="34" charset="0"/>
+              <a:buChar char="•"/>
+              <a:defRPr/>
+            </a:lvl7pPr>
+            <a:lvl8pPr marL="3429000" indent="-228600">
+              <a:lnSpc>
+                <a:spcPct val="90000"/>
+              </a:lnSpc>
+              <a:spcBef>
+                <a:spcPts val="500"/>
+              </a:spcBef>
+              <a:buFont typeface="Arial" panose="020B0604020202020204" pitchFamily="34" charset="0"/>
+              <a:buChar char="•"/>
+              <a:defRPr/>
+            </a:lvl8pPr>
+            <a:lvl9pPr marL="3886200" indent="-228600">
+              <a:lnSpc>
+                <a:spcPct val="90000"/>
+              </a:lnSpc>
+              <a:spcBef>
+                <a:spcPts val="500"/>
+              </a:spcBef>
+              <a:buFont typeface="Arial" panose="020B0604020202020204" pitchFamily="34" charset="0"/>
+              <a:buChar char="•"/>
+              <a:defRPr/>
+            </a:lvl9pPr>
+          </a:lstStyle>
+          <a:p>
+            <a:r>
+              <a:rPr lang="en-US" dirty="0"/>
+              <a:t>Conclusion for the analysis of three highest crimes, was that the lowest occurrences happened during the hours of 4Am-8AM.  </a:t>
+            </a:r>
+          </a:p>
+          <a:p>
+            <a:r>
+              <a:rPr lang="en-US" dirty="0"/>
+              <a:t>I had originally thought that aggravated assault would have the highest rated occurrences.</a:t>
+            </a:r>
           </a:p>
         </p:txBody>
       </p:sp>
     </p:spTree>
     <p:extLst>
       <p:ext uri="{BB962C8B-B14F-4D97-AF65-F5344CB8AC3E}">
-        <p14:creationId xmlns:p14="http://schemas.microsoft.com/office/powerpoint/2010/main" val="3443546882"/>
+        <p14:creationId xmlns:p14="http://schemas.microsoft.com/office/powerpoint/2010/main" val="3245977186"/>
       </p:ext>
     </p:extLst>
   </p:cSld>

--- a/crimepowerpoint.pptx
+++ b/crimepowerpoint.pptx
@@ -11,6 +11,11 @@
     <p:sldId id="266" r:id="rId5"/>
     <p:sldId id="264" r:id="rId6"/>
     <p:sldId id="267" r:id="rId7"/>
+    <p:sldId id="270" r:id="rId8"/>
+    <p:sldId id="268" r:id="rId9"/>
+    <p:sldId id="269" r:id="rId10"/>
+    <p:sldId id="272" r:id="rId11"/>
+    <p:sldId id="273" r:id="rId12"/>
   </p:sldIdLst>
   <p:sldSz cx="12192000" cy="6858000"/>
   <p:notesSz cx="6858000" cy="9144000"/>
@@ -109,6 +114,11 @@
       </a:defRPr>
     </a:lvl9pPr>
   </p:defaultTextStyle>
+  <p:extLst>
+    <p:ext uri="{EFAFB233-063F-42B5-8137-9DF3F51BA10A}">
+      <p15:sldGuideLst xmlns:p15="http://schemas.microsoft.com/office/powerpoint/2012/main"/>
+    </p:ext>
+  </p:extLst>
 </p:presentation>
 </file>
 
@@ -521,7 +531,7 @@
             <a:fld id="{11A6662E-FAF4-44BC-88B5-85A7CBFB6D30}" type="datetime1">
               <a:rPr lang="en-US" smtClean="0"/>
               <a:pPr/>
-              <a:t>2/23/2021</a:t>
+              <a:t>2/24/2021</a:t>
             </a:fld>
             <a:endParaRPr lang="en-US" dirty="0"/>
           </a:p>
@@ -748,7 +758,7 @@
           <a:p>
             <a:fld id="{4C559632-1575-4E14-B53B-3DC3D5ED3947}" type="datetime1">
               <a:rPr lang="en-US" smtClean="0"/>
-              <a:t>2/23/2021</a:t>
+              <a:t>2/24/2021</a:t>
             </a:fld>
             <a:endParaRPr lang="en-US"/>
           </a:p>
@@ -956,7 +966,7 @@
           <a:p>
             <a:fld id="{CC4A6868-2568-4CC9-B302-F37117B01A6E}" type="datetime1">
               <a:rPr lang="en-US" smtClean="0"/>
-              <a:t>2/23/2021</a:t>
+              <a:t>2/24/2021</a:t>
             </a:fld>
             <a:endParaRPr lang="en-US"/>
           </a:p>
@@ -1161,7 +1171,7 @@
           <a:p>
             <a:fld id="{0055F08A-1E71-4B2B-BB49-E743F2903911}" type="datetime1">
               <a:rPr lang="en-US" smtClean="0"/>
-              <a:t>2/23/2021</a:t>
+              <a:t>2/24/2021</a:t>
             </a:fld>
             <a:endParaRPr lang="en-US" dirty="0"/>
           </a:p>
@@ -1466,7 +1476,7 @@
           <a:p>
             <a:fld id="{15417D9E-721A-44BB-8863-9873FE64DA75}" type="datetime1">
               <a:rPr lang="en-US" smtClean="0"/>
-              <a:t>2/23/2021</a:t>
+              <a:t>2/24/2021</a:t>
             </a:fld>
             <a:endParaRPr lang="en-US"/>
           </a:p>
@@ -1739,7 +1749,7 @@
           <a:p>
             <a:fld id="{5F31DA2F-80B8-49CF-99FB-5ABCA53A607A}" type="datetime1">
               <a:rPr lang="en-US" smtClean="0"/>
-              <a:t>2/23/2021</a:t>
+              <a:t>2/24/2021</a:t>
             </a:fld>
             <a:endParaRPr lang="en-US"/>
           </a:p>
@@ -2154,7 +2164,7 @@
           <a:p>
             <a:fld id="{28852172-E6C9-4B6C-929A-A9DE3837BBF1}" type="datetime1">
               <a:rPr lang="en-US" smtClean="0"/>
-              <a:t>2/23/2021</a:t>
+              <a:t>2/24/2021</a:t>
             </a:fld>
             <a:endParaRPr lang="en-US"/>
           </a:p>
@@ -2306,7 +2316,7 @@
           <a:p>
             <a:fld id="{3AB41CFF-90C9-47B3-9DA1-F2BF8D839F7E}" type="datetime1">
               <a:rPr lang="en-US" smtClean="0"/>
-              <a:t>2/23/2021</a:t>
+              <a:t>2/24/2021</a:t>
             </a:fld>
             <a:endParaRPr lang="en-US"/>
           </a:p>
@@ -2419,7 +2429,7 @@
           <a:p>
             <a:fld id="{F06048FA-06AB-4884-A69B-986B96E68A24}" type="datetime1">
               <a:rPr lang="en-US" smtClean="0"/>
-              <a:t>2/23/2021</a:t>
+              <a:t>2/24/2021</a:t>
             </a:fld>
             <a:endParaRPr lang="en-US"/>
           </a:p>
@@ -2730,7 +2740,7 @@
           <a:p>
             <a:fld id="{50DB7ABA-0172-4F9C-889D-567164F66BCD}" type="datetime1">
               <a:rPr lang="en-US" smtClean="0"/>
-              <a:t>2/23/2021</a:t>
+              <a:t>2/24/2021</a:t>
             </a:fld>
             <a:endParaRPr lang="en-US"/>
           </a:p>
@@ -3021,7 +3031,7 @@
           <a:p>
             <a:fld id="{78AC6A5B-8AE7-4A41-B5A7-9ADC6686DC18}" type="datetime1">
               <a:rPr lang="en-US" smtClean="0"/>
-              <a:t>2/23/2021</a:t>
+              <a:t>2/24/2021</a:t>
             </a:fld>
             <a:endParaRPr lang="en-US"/>
           </a:p>
@@ -3330,7 +3340,7 @@
             <a:fld id="{57E0CF6C-748E-4B7A-BC8B-3011EF78ED13}" type="datetime1">
               <a:rPr lang="en-US" smtClean="0"/>
               <a:pPr/>
-              <a:t>2/23/2021</a:t>
+              <a:t>2/24/2021</a:t>
             </a:fld>
             <a:endParaRPr lang="en-US" dirty="0"/>
           </a:p>
@@ -3857,18 +3867,13 @@
           </a:lstStyle>
           <a:p>
             <a:r>
-              <a:rPr lang="en-US" sz="6500">
+              <a:rPr lang="en-US" sz="6500" dirty="0">
                 <a:solidFill>
                   <a:srgbClr val="FFFFFF"/>
                 </a:solidFill>
               </a:rPr>
               <a:t>Austin Crime  2017-2020</a:t>
             </a:r>
-            <a:endParaRPr lang="en-US" sz="6500" dirty="0">
-              <a:solidFill>
-                <a:srgbClr val="FFFFFF"/>
-              </a:solidFill>
-            </a:endParaRPr>
           </a:p>
         </p:txBody>
       </p:sp>
@@ -4113,6 +4118,371 @@
 </p:sld>
 </file>
 
+<file path=ppt/slides/slide10.xml><?xml version="1.0" encoding="utf-8"?>
+<p:sld xmlns:a="http://schemas.openxmlformats.org/drawingml/2006/main" xmlns:r="http://schemas.openxmlformats.org/officeDocument/2006/relationships" xmlns:p="http://schemas.openxmlformats.org/presentationml/2006/main">
+  <p:cSld>
+    <p:spTree>
+      <p:nvGrpSpPr>
+        <p:cNvPr id="1" name=""/>
+        <p:cNvGrpSpPr/>
+        <p:nvPr/>
+      </p:nvGrpSpPr>
+      <p:grpSpPr>
+        <a:xfrm>
+          <a:off x="0" y="0"/>
+          <a:ext cx="0" cy="0"/>
+          <a:chOff x="0" y="0"/>
+          <a:chExt cx="0" cy="0"/>
+        </a:xfrm>
+      </p:grpSpPr>
+      <p:sp>
+        <p:nvSpPr>
+          <p:cNvPr id="2" name="Title 1">
+            <a:extLst>
+              <a:ext uri="{FF2B5EF4-FFF2-40B4-BE49-F238E27FC236}">
+                <a16:creationId xmlns:a16="http://schemas.microsoft.com/office/drawing/2014/main" id="{22AD30C9-6412-4426-B14D-B2919337FC2B}"/>
+              </a:ext>
+            </a:extLst>
+          </p:cNvPr>
+          <p:cNvSpPr>
+            <a:spLocks noGrp="1"/>
+          </p:cNvSpPr>
+          <p:nvPr>
+            <p:ph type="title"/>
+          </p:nvPr>
+        </p:nvSpPr>
+        <p:spPr/>
+        <p:txBody>
+          <a:bodyPr/>
+          <a:lstStyle/>
+          <a:p>
+            <a:r>
+              <a:rPr lang="en-US" dirty="0">
+                <a:solidFill>
+                  <a:schemeClr val="bg1"/>
+                </a:solidFill>
+              </a:rPr>
+              <a:t>Highest Crime Count Grouped By Location</a:t>
+            </a:r>
+          </a:p>
+        </p:txBody>
+      </p:sp>
+      <p:sp>
+        <p:nvSpPr>
+          <p:cNvPr id="19" name="Rectangle 18">
+            <a:extLst>
+              <a:ext uri="{FF2B5EF4-FFF2-40B4-BE49-F238E27FC236}">
+                <a16:creationId xmlns:a16="http://schemas.microsoft.com/office/drawing/2014/main" id="{D91FFC50-E472-4CF1-B055-D97E20556C0A}"/>
+              </a:ext>
+            </a:extLst>
+          </p:cNvPr>
+          <p:cNvSpPr/>
+          <p:nvPr/>
+        </p:nvSpPr>
+        <p:spPr>
+          <a:xfrm>
+            <a:off x="5105400" y="1838325"/>
+            <a:ext cx="6715125" cy="2668361"/>
+          </a:xfrm>
+          <a:prstGeom prst="rect">
+            <a:avLst/>
+          </a:prstGeom>
+        </p:spPr>
+        <p:style>
+          <a:lnRef idx="2">
+            <a:schemeClr val="dk1"/>
+          </a:lnRef>
+          <a:fillRef idx="1">
+            <a:schemeClr val="lt1"/>
+          </a:fillRef>
+          <a:effectRef idx="0">
+            <a:schemeClr val="dk1"/>
+          </a:effectRef>
+          <a:fontRef idx="minor">
+            <a:schemeClr val="dk1"/>
+          </a:fontRef>
+        </p:style>
+        <p:txBody>
+          <a:bodyPr rtlCol="0" anchor="ctr"/>
+          <a:lstStyle/>
+          <a:p>
+            <a:pPr algn="ctr"/>
+            <a:endParaRPr lang="en-US"/>
+          </a:p>
+        </p:txBody>
+      </p:sp>
+      <p:sp>
+        <p:nvSpPr>
+          <p:cNvPr id="24" name="TextBox 23">
+            <a:extLst>
+              <a:ext uri="{FF2B5EF4-FFF2-40B4-BE49-F238E27FC236}">
+                <a16:creationId xmlns:a16="http://schemas.microsoft.com/office/drawing/2014/main" id="{173B1C9C-DE12-4FD5-94AE-78553F4A690A}"/>
+              </a:ext>
+            </a:extLst>
+          </p:cNvPr>
+          <p:cNvSpPr txBox="1"/>
+          <p:nvPr/>
+        </p:nvSpPr>
+        <p:spPr>
+          <a:xfrm>
+            <a:off x="458694" y="1838325"/>
+            <a:ext cx="4299918" cy="1938992"/>
+          </a:xfrm>
+          <a:prstGeom prst="rect">
+            <a:avLst/>
+          </a:prstGeom>
+          <a:noFill/>
+        </p:spPr>
+        <p:txBody>
+          <a:bodyPr wrap="square" rtlCol="0">
+            <a:spAutoFit/>
+          </a:bodyPr>
+          <a:lstStyle/>
+          <a:p>
+            <a:pPr marL="285750" indent="-285750">
+              <a:buFont typeface="Arial" panose="020B0604020202020204" pitchFamily="34" charset="0"/>
+              <a:buChar char="•"/>
+            </a:pPr>
+            <a:r>
+              <a:rPr lang="en-US" sz="2400" dirty="0">
+                <a:solidFill>
+                  <a:schemeClr val="bg1"/>
+                </a:solidFill>
+              </a:rPr>
+              <a:t>We can conclude that our “Family Disturbance” is the most frequent crime of for the location of “Residence/Home”</a:t>
+            </a:r>
+          </a:p>
+        </p:txBody>
+      </p:sp>
+      <p:pic>
+        <p:nvPicPr>
+          <p:cNvPr id="7" name="Content Placeholder 6" descr="Icon&#10;&#10;Description automatically generated">
+            <a:extLst>
+              <a:ext uri="{FF2B5EF4-FFF2-40B4-BE49-F238E27FC236}">
+                <a16:creationId xmlns:a16="http://schemas.microsoft.com/office/drawing/2014/main" id="{0B8081E5-E110-4344-82E2-5624A7FE83F7}"/>
+              </a:ext>
+            </a:extLst>
+          </p:cNvPr>
+          <p:cNvPicPr>
+            <a:picLocks noGrp="1" noChangeAspect="1"/>
+          </p:cNvPicPr>
+          <p:nvPr>
+            <p:ph idx="1"/>
+          </p:nvPr>
+        </p:nvPicPr>
+        <p:blipFill>
+          <a:blip r:embed="rId2">
+            <a:extLst>
+              <a:ext uri="{28A0092B-C50C-407E-A947-70E740481C1C}">
+                <a14:useLocalDpi xmlns:a14="http://schemas.microsoft.com/office/drawing/2010/main" val="0"/>
+              </a:ext>
+            </a:extLst>
+          </a:blip>
+          <a:stretch>
+            <a:fillRect/>
+          </a:stretch>
+        </p:blipFill>
+        <p:spPr>
+          <a:xfrm>
+            <a:off x="5125796" y="1978090"/>
+            <a:ext cx="6694729" cy="2453951"/>
+          </a:xfrm>
+        </p:spPr>
+      </p:pic>
+    </p:spTree>
+    <p:extLst>
+      <p:ext uri="{BB962C8B-B14F-4D97-AF65-F5344CB8AC3E}">
+        <p14:creationId xmlns:p14="http://schemas.microsoft.com/office/powerpoint/2010/main" val="2996382287"/>
+      </p:ext>
+    </p:extLst>
+  </p:cSld>
+  <p:clrMapOvr>
+    <a:masterClrMapping/>
+  </p:clrMapOvr>
+</p:sld>
+</file>
+
+<file path=ppt/slides/slide11.xml><?xml version="1.0" encoding="utf-8"?>
+<p:sld xmlns:a="http://schemas.openxmlformats.org/drawingml/2006/main" xmlns:r="http://schemas.openxmlformats.org/officeDocument/2006/relationships" xmlns:p="http://schemas.openxmlformats.org/presentationml/2006/main">
+  <p:cSld>
+    <p:spTree>
+      <p:nvGrpSpPr>
+        <p:cNvPr id="1" name=""/>
+        <p:cNvGrpSpPr/>
+        <p:nvPr/>
+      </p:nvGrpSpPr>
+      <p:grpSpPr>
+        <a:xfrm>
+          <a:off x="0" y="0"/>
+          <a:ext cx="0" cy="0"/>
+          <a:chOff x="0" y="0"/>
+          <a:chExt cx="0" cy="0"/>
+        </a:xfrm>
+      </p:grpSpPr>
+      <p:sp>
+        <p:nvSpPr>
+          <p:cNvPr id="2" name="Title 1">
+            <a:extLst>
+              <a:ext uri="{FF2B5EF4-FFF2-40B4-BE49-F238E27FC236}">
+                <a16:creationId xmlns:a16="http://schemas.microsoft.com/office/drawing/2014/main" id="{CDC536BA-3C58-48CA-8970-91B00C86C568}"/>
+              </a:ext>
+            </a:extLst>
+          </p:cNvPr>
+          <p:cNvSpPr>
+            <a:spLocks noGrp="1"/>
+          </p:cNvSpPr>
+          <p:nvPr>
+            <p:ph type="title"/>
+          </p:nvPr>
+        </p:nvSpPr>
+        <p:spPr/>
+        <p:txBody>
+          <a:bodyPr/>
+          <a:lstStyle/>
+          <a:p>
+            <a:r>
+              <a:rPr lang="en-US" dirty="0">
+                <a:solidFill>
+                  <a:schemeClr val="bg1"/>
+                </a:solidFill>
+              </a:rPr>
+              <a:t>Conclusion</a:t>
+            </a:r>
+          </a:p>
+        </p:txBody>
+      </p:sp>
+      <p:sp>
+        <p:nvSpPr>
+          <p:cNvPr id="3" name="Content Placeholder 2">
+            <a:extLst>
+              <a:ext uri="{FF2B5EF4-FFF2-40B4-BE49-F238E27FC236}">
+                <a16:creationId xmlns:a16="http://schemas.microsoft.com/office/drawing/2014/main" id="{E02CC894-493E-4F4A-86E5-916C149FC8E1}"/>
+              </a:ext>
+            </a:extLst>
+          </p:cNvPr>
+          <p:cNvSpPr>
+            <a:spLocks noGrp="1"/>
+          </p:cNvSpPr>
+          <p:nvPr>
+            <p:ph idx="1"/>
+          </p:nvPr>
+        </p:nvSpPr>
+        <p:spPr/>
+        <p:txBody>
+          <a:bodyPr/>
+          <a:lstStyle/>
+          <a:p>
+            <a:r>
+              <a:rPr lang="en-US" dirty="0">
+                <a:solidFill>
+                  <a:schemeClr val="bg1"/>
+                </a:solidFill>
+              </a:rPr>
+              <a:t>“Family Disturbance” is the most common crime in the “Residence/Home” crime location</a:t>
+            </a:r>
+          </a:p>
+        </p:txBody>
+      </p:sp>
+      <p:pic>
+        <p:nvPicPr>
+          <p:cNvPr id="7" name="Picture 6" descr="A picture containing plastic&#10;&#10;Description automatically generated">
+            <a:extLst>
+              <a:ext uri="{FF2B5EF4-FFF2-40B4-BE49-F238E27FC236}">
+                <a16:creationId xmlns:a16="http://schemas.microsoft.com/office/drawing/2014/main" id="{4B0A08DF-235E-459C-A17C-ADED35769A0C}"/>
+              </a:ext>
+            </a:extLst>
+          </p:cNvPr>
+          <p:cNvPicPr>
+            <a:picLocks noChangeAspect="1"/>
+          </p:cNvPicPr>
+          <p:nvPr/>
+        </p:nvPicPr>
+        <p:blipFill>
+          <a:blip r:embed="rId2">
+            <a:extLst>
+              <a:ext uri="{28A0092B-C50C-407E-A947-70E740481C1C}">
+                <a14:useLocalDpi xmlns:a14="http://schemas.microsoft.com/office/drawing/2010/main" val="0"/>
+              </a:ext>
+              <a:ext uri="{837473B0-CC2E-450A-ABE3-18F120FF3D39}">
+                <a1611:picAttrSrcUrl xmlns:a1611="http://schemas.microsoft.com/office/drawing/2016/11/main" r:id="rId3"/>
+              </a:ext>
+            </a:extLst>
+          </a:blip>
+          <a:stretch>
+            <a:fillRect/>
+          </a:stretch>
+        </p:blipFill>
+        <p:spPr>
+          <a:xfrm>
+            <a:off x="7283578" y="3029547"/>
+            <a:ext cx="2206960" cy="2974340"/>
+          </a:xfrm>
+          <a:prstGeom prst="rect">
+            <a:avLst/>
+          </a:prstGeom>
+        </p:spPr>
+      </p:pic>
+      <p:sp>
+        <p:nvSpPr>
+          <p:cNvPr id="8" name="TextBox 7">
+            <a:extLst>
+              <a:ext uri="{FF2B5EF4-FFF2-40B4-BE49-F238E27FC236}">
+                <a16:creationId xmlns:a16="http://schemas.microsoft.com/office/drawing/2014/main" id="{888435B4-4075-4CFF-9D88-EC29190C67A6}"/>
+              </a:ext>
+            </a:extLst>
+          </p:cNvPr>
+          <p:cNvSpPr txBox="1"/>
+          <p:nvPr/>
+        </p:nvSpPr>
+        <p:spPr>
+          <a:xfrm>
+            <a:off x="7283577" y="6122908"/>
+            <a:ext cx="1892595" cy="369332"/>
+          </a:xfrm>
+          <a:prstGeom prst="rect">
+            <a:avLst/>
+          </a:prstGeom>
+          <a:noFill/>
+        </p:spPr>
+        <p:txBody>
+          <a:bodyPr wrap="square" rtlCol="0">
+            <a:spAutoFit/>
+          </a:bodyPr>
+          <a:lstStyle/>
+          <a:p>
+            <a:r>
+              <a:rPr lang="en-US" sz="900">
+                <a:hlinkClick r:id="rId3" tooltip="https://www.flickr.com/photos/100029768@N02/9467118113"/>
+              </a:rPr>
+              <a:t>This Photo</a:t>
+            </a:r>
+            <a:r>
+              <a:rPr lang="en-US" sz="900"/>
+              <a:t> by Unknown Author is licensed under </a:t>
+            </a:r>
+            <a:r>
+              <a:rPr lang="en-US" sz="900">
+                <a:hlinkClick r:id="rId4" tooltip="https://creativecommons.org/licenses/by-sa/3.0/"/>
+              </a:rPr>
+              <a:t>CC BY-SA</a:t>
+            </a:r>
+            <a:endParaRPr lang="en-US" sz="900"/>
+          </a:p>
+        </p:txBody>
+      </p:sp>
+    </p:spTree>
+    <p:extLst>
+      <p:ext uri="{BB962C8B-B14F-4D97-AF65-F5344CB8AC3E}">
+        <p14:creationId xmlns:p14="http://schemas.microsoft.com/office/powerpoint/2010/main" val="1174204104"/>
+      </p:ext>
+    </p:extLst>
+  </p:cSld>
+  <p:clrMapOvr>
+    <a:masterClrMapping/>
+  </p:clrMapOvr>
+</p:sld>
+</file>
+
 <file path=ppt/slides/slide2.xml><?xml version="1.0" encoding="utf-8"?>
 <p:sld xmlns:a="http://schemas.openxmlformats.org/drawingml/2006/main" xmlns:r="http://schemas.openxmlformats.org/officeDocument/2006/relationships" xmlns:p="http://schemas.openxmlformats.org/presentationml/2006/main">
   <p:cSld>
@@ -4296,6 +4666,63 @@
                 </a:solidFill>
               </a:rPr>
               <a:t>Family Disturbances – what time did this occur?</a:t>
+            </a:r>
+          </a:p>
+        </p:txBody>
+      </p:sp>
+      <p:sp>
+        <p:nvSpPr>
+          <p:cNvPr id="7" name="Content Placeholder 6">
+            <a:extLst>
+              <a:ext uri="{FF2B5EF4-FFF2-40B4-BE49-F238E27FC236}">
+                <a16:creationId xmlns:a16="http://schemas.microsoft.com/office/drawing/2014/main" id="{EFB08442-0650-477E-9370-14A7BE9E3BA1}"/>
+              </a:ext>
+            </a:extLst>
+          </p:cNvPr>
+          <p:cNvSpPr>
+            <a:spLocks noGrp="1"/>
+          </p:cNvSpPr>
+          <p:nvPr>
+            <p:ph idx="1"/>
+          </p:nvPr>
+        </p:nvSpPr>
+        <p:spPr>
+          <a:xfrm>
+            <a:off x="458694" y="1949450"/>
+            <a:ext cx="5476228" cy="4195763"/>
+          </a:xfrm>
+        </p:spPr>
+        <p:txBody>
+          <a:bodyPr/>
+          <a:lstStyle/>
+          <a:p>
+            <a:r>
+              <a:rPr lang="en-US" dirty="0">
+                <a:solidFill>
+                  <a:schemeClr val="bg1"/>
+                </a:solidFill>
+              </a:rPr>
+              <a:t>Family Disturbances rated at 25,278 </a:t>
+            </a:r>
+          </a:p>
+          <a:p>
+            <a:r>
+              <a:rPr lang="en-US" dirty="0">
+                <a:solidFill>
+                  <a:schemeClr val="bg1"/>
+                </a:solidFill>
+              </a:rPr>
+              <a:t>Crime occurrences gradually increased from 12PM – 12AM</a:t>
+            </a:r>
+          </a:p>
+          <a:p>
+            <a:r>
+              <a:rPr lang="en-US" dirty="0">
+                <a:solidFill>
+                  <a:schemeClr val="bg1"/>
+                </a:solidFill>
+              </a:rPr>
+              <a:t>Peak occurrence is  around 12AM</a:t>
             </a:r>
           </a:p>
         </p:txBody>
@@ -4406,63 +4833,6 @@
           </p:spPr>
         </p:pic>
       </p:grpSp>
-      <p:sp>
-        <p:nvSpPr>
-          <p:cNvPr id="7" name="Content Placeholder 6">
-            <a:extLst>
-              <a:ext uri="{FF2B5EF4-FFF2-40B4-BE49-F238E27FC236}">
-                <a16:creationId xmlns:a16="http://schemas.microsoft.com/office/drawing/2014/main" id="{EFB08442-0650-477E-9370-14A7BE9E3BA1}"/>
-              </a:ext>
-            </a:extLst>
-          </p:cNvPr>
-          <p:cNvSpPr>
-            <a:spLocks noGrp="1"/>
-          </p:cNvSpPr>
-          <p:nvPr>
-            <p:ph idx="1"/>
-          </p:nvPr>
-        </p:nvSpPr>
-        <p:spPr>
-          <a:xfrm>
-            <a:off x="458694" y="1949450"/>
-            <a:ext cx="5476228" cy="4195763"/>
-          </a:xfrm>
-        </p:spPr>
-        <p:txBody>
-          <a:bodyPr/>
-          <a:lstStyle/>
-          <a:p>
-            <a:r>
-              <a:rPr lang="en-US" dirty="0">
-                <a:solidFill>
-                  <a:schemeClr val="bg1"/>
-                </a:solidFill>
-              </a:rPr>
-              <a:t>Family Disturbances rated at 25,278 </a:t>
-            </a:r>
-          </a:p>
-          <a:p>
-            <a:r>
-              <a:rPr lang="en-US" dirty="0">
-                <a:solidFill>
-                  <a:schemeClr val="bg1"/>
-                </a:solidFill>
-              </a:rPr>
-              <a:t>Crime occurrences gradually increased from 12PM – 12AM</a:t>
-            </a:r>
-          </a:p>
-          <a:p>
-            <a:r>
-              <a:rPr lang="en-US" dirty="0">
-                <a:solidFill>
-                  <a:schemeClr val="bg1"/>
-                </a:solidFill>
-              </a:rPr>
-              <a:t>Peak occurrence is  around 12AM</a:t>
-            </a:r>
-          </a:p>
-        </p:txBody>
-      </p:sp>
     </p:spTree>
     <p:extLst>
       <p:ext uri="{BB962C8B-B14F-4D97-AF65-F5344CB8AC3E}">
@@ -5123,6 +5493,567 @@
     <p:extLst>
       <p:ext uri="{BB962C8B-B14F-4D97-AF65-F5344CB8AC3E}">
         <p14:creationId xmlns:p14="http://schemas.microsoft.com/office/powerpoint/2010/main" val="3245977186"/>
+      </p:ext>
+    </p:extLst>
+  </p:cSld>
+  <p:clrMapOvr>
+    <a:masterClrMapping/>
+  </p:clrMapOvr>
+</p:sld>
+</file>
+
+<file path=ppt/slides/slide7.xml><?xml version="1.0" encoding="utf-8"?>
+<p:sld xmlns:a="http://schemas.openxmlformats.org/drawingml/2006/main" xmlns:r="http://schemas.openxmlformats.org/officeDocument/2006/relationships" xmlns:p="http://schemas.openxmlformats.org/presentationml/2006/main">
+  <p:cSld>
+    <p:spTree>
+      <p:nvGrpSpPr>
+        <p:cNvPr id="1" name=""/>
+        <p:cNvGrpSpPr/>
+        <p:nvPr/>
+      </p:nvGrpSpPr>
+      <p:grpSpPr>
+        <a:xfrm>
+          <a:off x="0" y="0"/>
+          <a:ext cx="0" cy="0"/>
+          <a:chOff x="0" y="0"/>
+          <a:chExt cx="0" cy="0"/>
+        </a:xfrm>
+      </p:grpSpPr>
+      <p:sp>
+        <p:nvSpPr>
+          <p:cNvPr id="2" name="Title 1">
+            <a:extLst>
+              <a:ext uri="{FF2B5EF4-FFF2-40B4-BE49-F238E27FC236}">
+                <a16:creationId xmlns:a16="http://schemas.microsoft.com/office/drawing/2014/main" id="{9DF60666-2308-4ABA-B3C0-4FD1FDF5890B}"/>
+              </a:ext>
+            </a:extLst>
+          </p:cNvPr>
+          <p:cNvSpPr>
+            <a:spLocks noGrp="1"/>
+          </p:cNvSpPr>
+          <p:nvPr>
+            <p:ph type="title"/>
+          </p:nvPr>
+        </p:nvSpPr>
+        <p:spPr>
+          <a:xfrm>
+            <a:off x="458694" y="1333850"/>
+            <a:ext cx="10895106" cy="963963"/>
+          </a:xfrm>
+        </p:spPr>
+        <p:txBody>
+          <a:bodyPr>
+            <a:normAutofit fontScale="90000"/>
+          </a:bodyPr>
+          <a:lstStyle/>
+          <a:p>
+            <a:r>
+              <a:rPr lang="en-US" b="1" dirty="0">
+                <a:solidFill>
+                  <a:schemeClr val="bg1"/>
+                </a:solidFill>
+              </a:rPr>
+              <a:t>If “Residence/Home” is the most frequent crime location in our data set, then is it safe to assume “Family Disturbance” is the most frequent crime offense description for that location? </a:t>
+            </a:r>
+          </a:p>
+        </p:txBody>
+      </p:sp>
+      <p:sp>
+        <p:nvSpPr>
+          <p:cNvPr id="3" name="Content Placeholder 2">
+            <a:extLst>
+              <a:ext uri="{FF2B5EF4-FFF2-40B4-BE49-F238E27FC236}">
+                <a16:creationId xmlns:a16="http://schemas.microsoft.com/office/drawing/2014/main" id="{101D0F79-DE0A-4405-AF16-40F466529FAA}"/>
+              </a:ext>
+            </a:extLst>
+          </p:cNvPr>
+          <p:cNvSpPr>
+            <a:spLocks noGrp="1"/>
+          </p:cNvSpPr>
+          <p:nvPr>
+            <p:ph idx="1"/>
+          </p:nvPr>
+        </p:nvSpPr>
+        <p:spPr>
+          <a:xfrm>
+            <a:off x="458694" y="3665989"/>
+            <a:ext cx="11274612" cy="2479223"/>
+          </a:xfrm>
+        </p:spPr>
+        <p:txBody>
+          <a:bodyPr/>
+          <a:lstStyle/>
+          <a:p>
+            <a:r>
+              <a:rPr lang="en-US" b="1" dirty="0">
+                <a:solidFill>
+                  <a:schemeClr val="bg1"/>
+                </a:solidFill>
+              </a:rPr>
+              <a:t>Question #2</a:t>
+            </a:r>
+          </a:p>
+        </p:txBody>
+      </p:sp>
+      <p:pic>
+        <p:nvPicPr>
+          <p:cNvPr id="5" name="Picture 4" descr="A yellow license plate&#10;&#10;Description automatically generated with low confidence">
+            <a:extLst>
+              <a:ext uri="{FF2B5EF4-FFF2-40B4-BE49-F238E27FC236}">
+                <a16:creationId xmlns:a16="http://schemas.microsoft.com/office/drawing/2014/main" id="{9BAE2801-74F2-4E1E-8494-034CDAA55CD9}"/>
+              </a:ext>
+            </a:extLst>
+          </p:cNvPr>
+          <p:cNvPicPr>
+            <a:picLocks noChangeAspect="1"/>
+          </p:cNvPicPr>
+          <p:nvPr/>
+        </p:nvPicPr>
+        <p:blipFill>
+          <a:blip r:embed="rId2">
+            <a:extLst>
+              <a:ext uri="{28A0092B-C50C-407E-A947-70E740481C1C}">
+                <a14:useLocalDpi xmlns:a14="http://schemas.microsoft.com/office/drawing/2010/main" val="0"/>
+              </a:ext>
+              <a:ext uri="{837473B0-CC2E-450A-ABE3-18F120FF3D39}">
+                <a1611:picAttrSrcUrl xmlns:a1611="http://schemas.microsoft.com/office/drawing/2016/11/main" r:id="rId3"/>
+              </a:ext>
+            </a:extLst>
+          </a:blip>
+          <a:stretch>
+            <a:fillRect/>
+          </a:stretch>
+        </p:blipFill>
+        <p:spPr>
+          <a:xfrm>
+            <a:off x="3983394" y="3811587"/>
+            <a:ext cx="4953000" cy="2333625"/>
+          </a:xfrm>
+          <a:prstGeom prst="rect">
+            <a:avLst/>
+          </a:prstGeom>
+        </p:spPr>
+      </p:pic>
+      <p:sp>
+        <p:nvSpPr>
+          <p:cNvPr id="6" name="TextBox 5">
+            <a:extLst>
+              <a:ext uri="{FF2B5EF4-FFF2-40B4-BE49-F238E27FC236}">
+                <a16:creationId xmlns:a16="http://schemas.microsoft.com/office/drawing/2014/main" id="{37F4ECF8-84B6-4412-A82B-459983877E46}"/>
+              </a:ext>
+            </a:extLst>
+          </p:cNvPr>
+          <p:cNvSpPr txBox="1"/>
+          <p:nvPr/>
+        </p:nvSpPr>
+        <p:spPr>
+          <a:xfrm>
+            <a:off x="3983394" y="6145212"/>
+            <a:ext cx="4953000" cy="230832"/>
+          </a:xfrm>
+          <a:prstGeom prst="rect">
+            <a:avLst/>
+          </a:prstGeom>
+          <a:noFill/>
+        </p:spPr>
+        <p:txBody>
+          <a:bodyPr wrap="square" rtlCol="0">
+            <a:spAutoFit/>
+          </a:bodyPr>
+          <a:lstStyle/>
+          <a:p>
+            <a:r>
+              <a:rPr lang="en-US" sz="900">
+                <a:hlinkClick r:id="rId3" tooltip="http://www.jambonairobi.co.ke/tag/information-on-crime/"/>
+              </a:rPr>
+              <a:t>This Photo</a:t>
+            </a:r>
+            <a:r>
+              <a:rPr lang="en-US" sz="900"/>
+              <a:t> by Unknown Author is licensed under </a:t>
+            </a:r>
+            <a:r>
+              <a:rPr lang="en-US" sz="900">
+                <a:hlinkClick r:id="rId4" tooltip="https://creativecommons.org/licenses/by-nc/3.0/"/>
+              </a:rPr>
+              <a:t>CC BY-NC</a:t>
+            </a:r>
+            <a:endParaRPr lang="en-US" sz="900"/>
+          </a:p>
+        </p:txBody>
+      </p:sp>
+    </p:spTree>
+    <p:extLst>
+      <p:ext uri="{BB962C8B-B14F-4D97-AF65-F5344CB8AC3E}">
+        <p14:creationId xmlns:p14="http://schemas.microsoft.com/office/powerpoint/2010/main" val="2954819187"/>
+      </p:ext>
+    </p:extLst>
+  </p:cSld>
+  <p:clrMapOvr>
+    <a:masterClrMapping/>
+  </p:clrMapOvr>
+</p:sld>
+</file>
+
+<file path=ppt/slides/slide8.xml><?xml version="1.0" encoding="utf-8"?>
+<p:sld xmlns:a="http://schemas.openxmlformats.org/drawingml/2006/main" xmlns:r="http://schemas.openxmlformats.org/officeDocument/2006/relationships" xmlns:p="http://schemas.openxmlformats.org/presentationml/2006/main">
+  <p:cSld>
+    <p:spTree>
+      <p:nvGrpSpPr>
+        <p:cNvPr id="1" name=""/>
+        <p:cNvGrpSpPr/>
+        <p:nvPr/>
+      </p:nvGrpSpPr>
+      <p:grpSpPr>
+        <a:xfrm>
+          <a:off x="0" y="0"/>
+          <a:ext cx="0" cy="0"/>
+          <a:chOff x="0" y="0"/>
+          <a:chExt cx="0" cy="0"/>
+        </a:xfrm>
+      </p:grpSpPr>
+      <p:sp>
+        <p:nvSpPr>
+          <p:cNvPr id="2" name="Title 1">
+            <a:extLst>
+              <a:ext uri="{FF2B5EF4-FFF2-40B4-BE49-F238E27FC236}">
+                <a16:creationId xmlns:a16="http://schemas.microsoft.com/office/drawing/2014/main" id="{22AD30C9-6412-4426-B14D-B2919337FC2B}"/>
+              </a:ext>
+            </a:extLst>
+          </p:cNvPr>
+          <p:cNvSpPr>
+            <a:spLocks noGrp="1"/>
+          </p:cNvSpPr>
+          <p:nvPr>
+            <p:ph type="title"/>
+          </p:nvPr>
+        </p:nvSpPr>
+        <p:spPr/>
+        <p:txBody>
+          <a:bodyPr/>
+          <a:lstStyle/>
+          <a:p>
+            <a:r>
+              <a:rPr lang="en-US" dirty="0">
+                <a:solidFill>
+                  <a:schemeClr val="bg1"/>
+                </a:solidFill>
+              </a:rPr>
+              <a:t>Count of the Highest Crime Offense</a:t>
+            </a:r>
+          </a:p>
+        </p:txBody>
+      </p:sp>
+      <p:sp>
+        <p:nvSpPr>
+          <p:cNvPr id="19" name="Rectangle 18">
+            <a:extLst>
+              <a:ext uri="{FF2B5EF4-FFF2-40B4-BE49-F238E27FC236}">
+                <a16:creationId xmlns:a16="http://schemas.microsoft.com/office/drawing/2014/main" id="{D91FFC50-E472-4CF1-B055-D97E20556C0A}"/>
+              </a:ext>
+            </a:extLst>
+          </p:cNvPr>
+          <p:cNvSpPr/>
+          <p:nvPr/>
+        </p:nvSpPr>
+        <p:spPr>
+          <a:xfrm>
+            <a:off x="5105400" y="1838325"/>
+            <a:ext cx="6715125" cy="2668361"/>
+          </a:xfrm>
+          <a:prstGeom prst="rect">
+            <a:avLst/>
+          </a:prstGeom>
+        </p:spPr>
+        <p:style>
+          <a:lnRef idx="2">
+            <a:schemeClr val="dk1"/>
+          </a:lnRef>
+          <a:fillRef idx="1">
+            <a:schemeClr val="lt1"/>
+          </a:fillRef>
+          <a:effectRef idx="0">
+            <a:schemeClr val="dk1"/>
+          </a:effectRef>
+          <a:fontRef idx="minor">
+            <a:schemeClr val="dk1"/>
+          </a:fontRef>
+        </p:style>
+        <p:txBody>
+          <a:bodyPr rtlCol="0" anchor="ctr"/>
+          <a:lstStyle/>
+          <a:p>
+            <a:pPr algn="ctr"/>
+            <a:endParaRPr lang="en-US"/>
+          </a:p>
+        </p:txBody>
+      </p:sp>
+      <p:pic>
+        <p:nvPicPr>
+          <p:cNvPr id="23" name="Content Placeholder 22" descr="Icon&#10;&#10;Description automatically generated">
+            <a:extLst>
+              <a:ext uri="{FF2B5EF4-FFF2-40B4-BE49-F238E27FC236}">
+                <a16:creationId xmlns:a16="http://schemas.microsoft.com/office/drawing/2014/main" id="{4C2D7245-6504-46C8-B7F9-A1BC09593831}"/>
+              </a:ext>
+            </a:extLst>
+          </p:cNvPr>
+          <p:cNvPicPr>
+            <a:picLocks noGrp="1" noChangeAspect="1"/>
+          </p:cNvPicPr>
+          <p:nvPr>
+            <p:ph idx="1"/>
+          </p:nvPr>
+        </p:nvPicPr>
+        <p:blipFill>
+          <a:blip r:embed="rId2">
+            <a:extLst>
+              <a:ext uri="{28A0092B-C50C-407E-A947-70E740481C1C}">
+                <a14:useLocalDpi xmlns:a14="http://schemas.microsoft.com/office/drawing/2010/main" val="0"/>
+              </a:ext>
+            </a:extLst>
+          </a:blip>
+          <a:stretch>
+            <a:fillRect/>
+          </a:stretch>
+        </p:blipFill>
+        <p:spPr>
+          <a:xfrm>
+            <a:off x="5383636" y="2006082"/>
+            <a:ext cx="5893142" cy="2323321"/>
+          </a:xfrm>
+        </p:spPr>
+      </p:pic>
+      <p:sp>
+        <p:nvSpPr>
+          <p:cNvPr id="24" name="TextBox 23">
+            <a:extLst>
+              <a:ext uri="{FF2B5EF4-FFF2-40B4-BE49-F238E27FC236}">
+                <a16:creationId xmlns:a16="http://schemas.microsoft.com/office/drawing/2014/main" id="{173B1C9C-DE12-4FD5-94AE-78553F4A690A}"/>
+              </a:ext>
+            </a:extLst>
+          </p:cNvPr>
+          <p:cNvSpPr txBox="1"/>
+          <p:nvPr/>
+        </p:nvSpPr>
+        <p:spPr>
+          <a:xfrm>
+            <a:off x="458694" y="1838325"/>
+            <a:ext cx="4299918" cy="1569660"/>
+          </a:xfrm>
+          <a:prstGeom prst="rect">
+            <a:avLst/>
+          </a:prstGeom>
+          <a:noFill/>
+        </p:spPr>
+        <p:txBody>
+          <a:bodyPr wrap="square" rtlCol="0">
+            <a:spAutoFit/>
+          </a:bodyPr>
+          <a:lstStyle/>
+          <a:p>
+            <a:pPr marL="285750" indent="-285750">
+              <a:buFont typeface="Arial" panose="020B0604020202020204" pitchFamily="34" charset="0"/>
+              <a:buChar char="•"/>
+            </a:pPr>
+            <a:r>
+              <a:rPr lang="en-US" sz="2400" dirty="0">
+                <a:solidFill>
+                  <a:schemeClr val="bg1"/>
+                </a:solidFill>
+              </a:rPr>
+              <a:t>We can conclude that “Family Disturbance” has the highest rate of occurrence in our data</a:t>
+            </a:r>
+          </a:p>
+        </p:txBody>
+      </p:sp>
+    </p:spTree>
+    <p:extLst>
+      <p:ext uri="{BB962C8B-B14F-4D97-AF65-F5344CB8AC3E}">
+        <p14:creationId xmlns:p14="http://schemas.microsoft.com/office/powerpoint/2010/main" val="515798587"/>
+      </p:ext>
+    </p:extLst>
+  </p:cSld>
+  <p:clrMapOvr>
+    <a:masterClrMapping/>
+  </p:clrMapOvr>
+</p:sld>
+</file>
+
+<file path=ppt/slides/slide9.xml><?xml version="1.0" encoding="utf-8"?>
+<p:sld xmlns:a="http://schemas.openxmlformats.org/drawingml/2006/main" xmlns:r="http://schemas.openxmlformats.org/officeDocument/2006/relationships" xmlns:p="http://schemas.openxmlformats.org/presentationml/2006/main">
+  <p:cSld>
+    <p:spTree>
+      <p:nvGrpSpPr>
+        <p:cNvPr id="1" name=""/>
+        <p:cNvGrpSpPr/>
+        <p:nvPr/>
+      </p:nvGrpSpPr>
+      <p:grpSpPr>
+        <a:xfrm>
+          <a:off x="0" y="0"/>
+          <a:ext cx="0" cy="0"/>
+          <a:chOff x="0" y="0"/>
+          <a:chExt cx="0" cy="0"/>
+        </a:xfrm>
+      </p:grpSpPr>
+      <p:sp>
+        <p:nvSpPr>
+          <p:cNvPr id="2" name="Title 1">
+            <a:extLst>
+              <a:ext uri="{FF2B5EF4-FFF2-40B4-BE49-F238E27FC236}">
+                <a16:creationId xmlns:a16="http://schemas.microsoft.com/office/drawing/2014/main" id="{22AD30C9-6412-4426-B14D-B2919337FC2B}"/>
+              </a:ext>
+            </a:extLst>
+          </p:cNvPr>
+          <p:cNvSpPr>
+            <a:spLocks noGrp="1"/>
+          </p:cNvSpPr>
+          <p:nvPr>
+            <p:ph type="title"/>
+          </p:nvPr>
+        </p:nvSpPr>
+        <p:spPr/>
+        <p:txBody>
+          <a:bodyPr/>
+          <a:lstStyle/>
+          <a:p>
+            <a:r>
+              <a:rPr lang="en-US" dirty="0">
+                <a:solidFill>
+                  <a:schemeClr val="bg1"/>
+                </a:solidFill>
+              </a:rPr>
+              <a:t>Crime Location Count </a:t>
+            </a:r>
+          </a:p>
+        </p:txBody>
+      </p:sp>
+      <p:sp>
+        <p:nvSpPr>
+          <p:cNvPr id="19" name="Rectangle 18">
+            <a:extLst>
+              <a:ext uri="{FF2B5EF4-FFF2-40B4-BE49-F238E27FC236}">
+                <a16:creationId xmlns:a16="http://schemas.microsoft.com/office/drawing/2014/main" id="{D91FFC50-E472-4CF1-B055-D97E20556C0A}"/>
+              </a:ext>
+            </a:extLst>
+          </p:cNvPr>
+          <p:cNvSpPr/>
+          <p:nvPr/>
+        </p:nvSpPr>
+        <p:spPr>
+          <a:xfrm>
+            <a:off x="5105400" y="1838325"/>
+            <a:ext cx="6715125" cy="2668361"/>
+          </a:xfrm>
+          <a:prstGeom prst="rect">
+            <a:avLst/>
+          </a:prstGeom>
+        </p:spPr>
+        <p:style>
+          <a:lnRef idx="2">
+            <a:schemeClr val="dk1"/>
+          </a:lnRef>
+          <a:fillRef idx="1">
+            <a:schemeClr val="lt1"/>
+          </a:fillRef>
+          <a:effectRef idx="0">
+            <a:schemeClr val="dk1"/>
+          </a:effectRef>
+          <a:fontRef idx="minor">
+            <a:schemeClr val="dk1"/>
+          </a:fontRef>
+        </p:style>
+        <p:txBody>
+          <a:bodyPr rtlCol="0" anchor="ctr"/>
+          <a:lstStyle/>
+          <a:p>
+            <a:pPr algn="ctr"/>
+            <a:endParaRPr lang="en-US"/>
+          </a:p>
+        </p:txBody>
+      </p:sp>
+      <p:sp>
+        <p:nvSpPr>
+          <p:cNvPr id="24" name="TextBox 23">
+            <a:extLst>
+              <a:ext uri="{FF2B5EF4-FFF2-40B4-BE49-F238E27FC236}">
+                <a16:creationId xmlns:a16="http://schemas.microsoft.com/office/drawing/2014/main" id="{173B1C9C-DE12-4FD5-94AE-78553F4A690A}"/>
+              </a:ext>
+            </a:extLst>
+          </p:cNvPr>
+          <p:cNvSpPr txBox="1"/>
+          <p:nvPr/>
+        </p:nvSpPr>
+        <p:spPr>
+          <a:xfrm>
+            <a:off x="458694" y="1838325"/>
+            <a:ext cx="4299918" cy="1569660"/>
+          </a:xfrm>
+          <a:prstGeom prst="rect">
+            <a:avLst/>
+          </a:prstGeom>
+          <a:noFill/>
+        </p:spPr>
+        <p:txBody>
+          <a:bodyPr wrap="square" rtlCol="0">
+            <a:spAutoFit/>
+          </a:bodyPr>
+          <a:lstStyle/>
+          <a:p>
+            <a:pPr marL="285750" indent="-285750">
+              <a:buFont typeface="Arial" panose="020B0604020202020204" pitchFamily="34" charset="0"/>
+              <a:buChar char="•"/>
+            </a:pPr>
+            <a:r>
+              <a:rPr lang="en-US" sz="2400" dirty="0">
+                <a:solidFill>
+                  <a:schemeClr val="bg1"/>
+                </a:solidFill>
+              </a:rPr>
+              <a:t>We can conclude that “Residence/Home” has the highest rate of occurrence in our data</a:t>
+            </a:r>
+          </a:p>
+        </p:txBody>
+      </p:sp>
+      <p:pic>
+        <p:nvPicPr>
+          <p:cNvPr id="6" name="Content Placeholder 5" descr="Icon&#10;&#10;Description automatically generated">
+            <a:extLst>
+              <a:ext uri="{FF2B5EF4-FFF2-40B4-BE49-F238E27FC236}">
+                <a16:creationId xmlns:a16="http://schemas.microsoft.com/office/drawing/2014/main" id="{7A6D4CED-7F44-4F22-9F50-1F9E48D14EA2}"/>
+              </a:ext>
+            </a:extLst>
+          </p:cNvPr>
+          <p:cNvPicPr>
+            <a:picLocks noGrp="1" noChangeAspect="1"/>
+          </p:cNvPicPr>
+          <p:nvPr>
+            <p:ph idx="1"/>
+          </p:nvPr>
+        </p:nvPicPr>
+        <p:blipFill>
+          <a:blip r:embed="rId2">
+            <a:extLst>
+              <a:ext uri="{28A0092B-C50C-407E-A947-70E740481C1C}">
+                <a14:useLocalDpi xmlns:a14="http://schemas.microsoft.com/office/drawing/2010/main" val="0"/>
+              </a:ext>
+            </a:extLst>
+          </a:blip>
+          <a:stretch>
+            <a:fillRect/>
+          </a:stretch>
+        </p:blipFill>
+        <p:spPr>
+          <a:xfrm>
+            <a:off x="5105400" y="1903335"/>
+            <a:ext cx="6501882" cy="2500713"/>
+          </a:xfrm>
+        </p:spPr>
+      </p:pic>
+    </p:spTree>
+    <p:extLst>
+      <p:ext uri="{BB962C8B-B14F-4D97-AF65-F5344CB8AC3E}">
+        <p14:creationId xmlns:p14="http://schemas.microsoft.com/office/powerpoint/2010/main" val="3427897992"/>
       </p:ext>
     </p:extLst>
   </p:cSld>

--- a/crimepowerpoint.pptx
+++ b/crimepowerpoint.pptx
@@ -16,6 +16,10 @@
     <p:sldId id="269" r:id="rId10"/>
     <p:sldId id="272" r:id="rId11"/>
     <p:sldId id="273" r:id="rId12"/>
+    <p:sldId id="274" r:id="rId13"/>
+    <p:sldId id="275" r:id="rId14"/>
+    <p:sldId id="276" r:id="rId15"/>
+    <p:sldId id="278" r:id="rId16"/>
   </p:sldIdLst>
   <p:sldSz cx="12192000" cy="6858000"/>
   <p:notesSz cx="6858000" cy="9144000"/>
@@ -4483,6 +4487,552 @@
 </p:sld>
 </file>
 
+<file path=ppt/slides/slide12.xml><?xml version="1.0" encoding="utf-8"?>
+<p:sld xmlns:a="http://schemas.openxmlformats.org/drawingml/2006/main" xmlns:r="http://schemas.openxmlformats.org/officeDocument/2006/relationships" xmlns:p="http://schemas.openxmlformats.org/presentationml/2006/main">
+  <p:cSld>
+    <p:spTree>
+      <p:nvGrpSpPr>
+        <p:cNvPr id="1" name=""/>
+        <p:cNvGrpSpPr/>
+        <p:nvPr/>
+      </p:nvGrpSpPr>
+      <p:grpSpPr>
+        <a:xfrm>
+          <a:off x="0" y="0"/>
+          <a:ext cx="0" cy="0"/>
+          <a:chOff x="0" y="0"/>
+          <a:chExt cx="0" cy="0"/>
+        </a:xfrm>
+      </p:grpSpPr>
+      <p:sp>
+        <p:nvSpPr>
+          <p:cNvPr id="3" name="Content Placeholder 2">
+            <a:extLst>
+              <a:ext uri="{FF2B5EF4-FFF2-40B4-BE49-F238E27FC236}">
+                <a16:creationId xmlns:a16="http://schemas.microsoft.com/office/drawing/2014/main" id="{8FA56289-EF4B-4161-9902-C085364AC6FA}"/>
+              </a:ext>
+            </a:extLst>
+          </p:cNvPr>
+          <p:cNvSpPr>
+            <a:spLocks noGrp="1"/>
+          </p:cNvSpPr>
+          <p:nvPr>
+            <p:ph idx="1"/>
+          </p:nvPr>
+        </p:nvSpPr>
+        <p:spPr>
+          <a:xfrm>
+            <a:off x="346399" y="874629"/>
+            <a:ext cx="11274612" cy="4195763"/>
+          </a:xfrm>
+        </p:spPr>
+        <p:txBody>
+          <a:bodyPr/>
+          <a:lstStyle/>
+          <a:p>
+            <a:pPr marL="0" indent="0">
+              <a:buNone/>
+            </a:pPr>
+            <a:r>
+              <a:rPr lang="en-US" sz="4400" b="1" dirty="0">
+                <a:effectLst/>
+                <a:latin typeface="Calibri" panose="020F0502020204030204" pitchFamily="34" charset="0"/>
+                <a:ea typeface="Calibri" panose="020F0502020204030204" pitchFamily="34" charset="0"/>
+                <a:cs typeface="Times New Roman" panose="02020603050405020304" pitchFamily="18" charset="0"/>
+              </a:rPr>
+              <a:t>If the crime that happened the most was theft, then the location was more on the north side of Austin.</a:t>
+            </a:r>
+            <a:endParaRPr lang="en-US" sz="4400" dirty="0">
+              <a:effectLst/>
+              <a:latin typeface="Calibri" panose="020F0502020204030204" pitchFamily="34" charset="0"/>
+              <a:ea typeface="Calibri" panose="020F0502020204030204" pitchFamily="34" charset="0"/>
+              <a:cs typeface="Times New Roman" panose="02020603050405020304" pitchFamily="18" charset="0"/>
+            </a:endParaRPr>
+          </a:p>
+          <a:p>
+            <a:endParaRPr lang="en-US" dirty="0"/>
+          </a:p>
+        </p:txBody>
+      </p:sp>
+    </p:spTree>
+    <p:extLst>
+      <p:ext uri="{BB962C8B-B14F-4D97-AF65-F5344CB8AC3E}">
+        <p14:creationId xmlns:p14="http://schemas.microsoft.com/office/powerpoint/2010/main" val="186641300"/>
+      </p:ext>
+    </p:extLst>
+  </p:cSld>
+  <p:clrMapOvr>
+    <a:masterClrMapping/>
+  </p:clrMapOvr>
+</p:sld>
+</file>
+
+<file path=ppt/slides/slide13.xml><?xml version="1.0" encoding="utf-8"?>
+<p:sld xmlns:a="http://schemas.openxmlformats.org/drawingml/2006/main" xmlns:r="http://schemas.openxmlformats.org/officeDocument/2006/relationships" xmlns:p="http://schemas.openxmlformats.org/presentationml/2006/main">
+  <p:cSld>
+    <p:spTree>
+      <p:nvGrpSpPr>
+        <p:cNvPr id="1" name=""/>
+        <p:cNvGrpSpPr/>
+        <p:nvPr/>
+      </p:nvGrpSpPr>
+      <p:grpSpPr>
+        <a:xfrm>
+          <a:off x="0" y="0"/>
+          <a:ext cx="0" cy="0"/>
+          <a:chOff x="0" y="0"/>
+          <a:chExt cx="0" cy="0"/>
+        </a:xfrm>
+      </p:grpSpPr>
+      <p:sp>
+        <p:nvSpPr>
+          <p:cNvPr id="2" name="Title 1">
+            <a:extLst>
+              <a:ext uri="{FF2B5EF4-FFF2-40B4-BE49-F238E27FC236}">
+                <a16:creationId xmlns:a16="http://schemas.microsoft.com/office/drawing/2014/main" id="{194D68CB-E9FA-4165-914A-C65A2AD9630B}"/>
+              </a:ext>
+            </a:extLst>
+          </p:cNvPr>
+          <p:cNvSpPr>
+            <a:spLocks noGrp="1"/>
+          </p:cNvSpPr>
+          <p:nvPr>
+            <p:ph type="title"/>
+          </p:nvPr>
+        </p:nvSpPr>
+        <p:spPr/>
+        <p:txBody>
+          <a:bodyPr/>
+          <a:lstStyle/>
+          <a:p>
+            <a:r>
+              <a:rPr lang="en-US" dirty="0"/>
+              <a:t>Frequency of crime by type</a:t>
+            </a:r>
+          </a:p>
+        </p:txBody>
+      </p:sp>
+      <p:pic>
+        <p:nvPicPr>
+          <p:cNvPr id="5" name="Content Placeholder 4" descr="A picture containing chart&#10;&#10;Description automatically generated">
+            <a:extLst>
+              <a:ext uri="{FF2B5EF4-FFF2-40B4-BE49-F238E27FC236}">
+                <a16:creationId xmlns:a16="http://schemas.microsoft.com/office/drawing/2014/main" id="{9DE0991D-C88A-4CE7-9384-57BE8E3614AC}"/>
+              </a:ext>
+            </a:extLst>
+          </p:cNvPr>
+          <p:cNvPicPr>
+            <a:picLocks noGrp="1" noChangeAspect="1"/>
+          </p:cNvPicPr>
+          <p:nvPr>
+            <p:ph idx="1"/>
+          </p:nvPr>
+        </p:nvPicPr>
+        <p:blipFill>
+          <a:blip r:embed="rId2">
+            <a:extLst>
+              <a:ext uri="{28A0092B-C50C-407E-A947-70E740481C1C}">
+                <a14:useLocalDpi xmlns:a14="http://schemas.microsoft.com/office/drawing/2010/main" val="0"/>
+              </a:ext>
+            </a:extLst>
+          </a:blip>
+          <a:stretch>
+            <a:fillRect/>
+          </a:stretch>
+        </p:blipFill>
+        <p:spPr>
+          <a:xfrm>
+            <a:off x="5474657" y="1930789"/>
+            <a:ext cx="5879143" cy="4195763"/>
+          </a:xfrm>
+        </p:spPr>
+      </p:pic>
+      <p:pic>
+        <p:nvPicPr>
+          <p:cNvPr id="7" name="Picture 6" descr="Graphical user interface, text&#10;&#10;Description automatically generated">
+            <a:extLst>
+              <a:ext uri="{FF2B5EF4-FFF2-40B4-BE49-F238E27FC236}">
+                <a16:creationId xmlns:a16="http://schemas.microsoft.com/office/drawing/2014/main" id="{2478C58F-444F-4788-9F5E-66ECDC3A41A8}"/>
+              </a:ext>
+            </a:extLst>
+          </p:cNvPr>
+          <p:cNvPicPr>
+            <a:picLocks noChangeAspect="1"/>
+          </p:cNvPicPr>
+          <p:nvPr/>
+        </p:nvPicPr>
+        <p:blipFill>
+          <a:blip r:embed="rId3">
+            <a:extLst>
+              <a:ext uri="{28A0092B-C50C-407E-A947-70E740481C1C}">
+                <a14:useLocalDpi xmlns:a14="http://schemas.microsoft.com/office/drawing/2010/main" val="0"/>
+              </a:ext>
+            </a:extLst>
+          </a:blip>
+          <a:stretch>
+            <a:fillRect/>
+          </a:stretch>
+        </p:blipFill>
+        <p:spPr>
+          <a:xfrm>
+            <a:off x="458694" y="3912326"/>
+            <a:ext cx="3638340" cy="2579914"/>
+          </a:xfrm>
+          <a:prstGeom prst="rect">
+            <a:avLst/>
+          </a:prstGeom>
+        </p:spPr>
+      </p:pic>
+      <p:sp>
+        <p:nvSpPr>
+          <p:cNvPr id="8" name="TextBox 7">
+            <a:extLst>
+              <a:ext uri="{FF2B5EF4-FFF2-40B4-BE49-F238E27FC236}">
+                <a16:creationId xmlns:a16="http://schemas.microsoft.com/office/drawing/2014/main" id="{B6F046C9-F839-4DF1-B294-3D5908CD42A2}"/>
+              </a:ext>
+            </a:extLst>
+          </p:cNvPr>
+          <p:cNvSpPr txBox="1"/>
+          <p:nvPr/>
+        </p:nvSpPr>
+        <p:spPr>
+          <a:xfrm>
+            <a:off x="139960" y="1607623"/>
+            <a:ext cx="7142148" cy="646331"/>
+          </a:xfrm>
+          <a:prstGeom prst="rect">
+            <a:avLst/>
+          </a:prstGeom>
+          <a:noFill/>
+        </p:spPr>
+        <p:txBody>
+          <a:bodyPr wrap="none" rtlCol="0">
+            <a:spAutoFit/>
+          </a:bodyPr>
+          <a:lstStyle/>
+          <a:p>
+            <a:r>
+              <a:rPr lang="en-US" dirty="0"/>
+              <a:t>Theft has most crimes with 58,595 (not including Auto or Robbery)</a:t>
+            </a:r>
+          </a:p>
+          <a:p>
+            <a:endParaRPr lang="en-US" dirty="0"/>
+          </a:p>
+        </p:txBody>
+      </p:sp>
+    </p:spTree>
+    <p:extLst>
+      <p:ext uri="{BB962C8B-B14F-4D97-AF65-F5344CB8AC3E}">
+        <p14:creationId xmlns:p14="http://schemas.microsoft.com/office/powerpoint/2010/main" val="2543726956"/>
+      </p:ext>
+    </p:extLst>
+  </p:cSld>
+  <p:clrMapOvr>
+    <a:masterClrMapping/>
+  </p:clrMapOvr>
+</p:sld>
+</file>
+
+<file path=ppt/slides/slide14.xml><?xml version="1.0" encoding="utf-8"?>
+<p:sld xmlns:a="http://schemas.openxmlformats.org/drawingml/2006/main" xmlns:r="http://schemas.openxmlformats.org/officeDocument/2006/relationships" xmlns:p="http://schemas.openxmlformats.org/presentationml/2006/main">
+  <p:cSld>
+    <p:spTree>
+      <p:nvGrpSpPr>
+        <p:cNvPr id="1" name=""/>
+        <p:cNvGrpSpPr/>
+        <p:nvPr/>
+      </p:nvGrpSpPr>
+      <p:grpSpPr>
+        <a:xfrm>
+          <a:off x="0" y="0"/>
+          <a:ext cx="0" cy="0"/>
+          <a:chOff x="0" y="0"/>
+          <a:chExt cx="0" cy="0"/>
+        </a:xfrm>
+      </p:grpSpPr>
+      <p:sp>
+        <p:nvSpPr>
+          <p:cNvPr id="2" name="Title 1">
+            <a:extLst>
+              <a:ext uri="{FF2B5EF4-FFF2-40B4-BE49-F238E27FC236}">
+                <a16:creationId xmlns:a16="http://schemas.microsoft.com/office/drawing/2014/main" id="{9C75ACEE-B3F6-41F9-AD48-8535AA9FD7EA}"/>
+              </a:ext>
+            </a:extLst>
+          </p:cNvPr>
+          <p:cNvSpPr>
+            <a:spLocks noGrp="1"/>
+          </p:cNvSpPr>
+          <p:nvPr>
+            <p:ph type="title"/>
+          </p:nvPr>
+        </p:nvSpPr>
+        <p:spPr>
+          <a:xfrm>
+            <a:off x="458694" y="365760"/>
+            <a:ext cx="6865837" cy="2974599"/>
+          </a:xfrm>
+        </p:spPr>
+        <p:txBody>
+          <a:bodyPr>
+            <a:normAutofit/>
+          </a:bodyPr>
+          <a:lstStyle/>
+          <a:p>
+            <a:r>
+              <a:rPr lang="en-US" sz="3600" dirty="0"/>
+              <a:t>Crimes per Zip Code</a:t>
+            </a:r>
+            <a:br>
+              <a:rPr lang="en-US" sz="2000" dirty="0"/>
+            </a:br>
+            <a:br>
+              <a:rPr lang="en-US" sz="2000" dirty="0"/>
+            </a:br>
+            <a:r>
+              <a:rPr lang="en-US" sz="2000" dirty="0"/>
+              <a:t>There are over 50 zip codes within our data.</a:t>
+            </a:r>
+            <a:br>
+              <a:rPr lang="en-US" sz="2000" dirty="0"/>
+            </a:br>
+            <a:br>
+              <a:rPr lang="en-US" sz="2000" dirty="0"/>
+            </a:br>
+            <a:r>
+              <a:rPr lang="en-US" sz="2000" dirty="0"/>
+              <a:t>The top two zip codes with the most crimes are on the north side of Austin, but they are spread out. </a:t>
+            </a:r>
+            <a:br>
+              <a:rPr lang="en-US" sz="2000" dirty="0"/>
+            </a:br>
+            <a:br>
+              <a:rPr lang="en-US" sz="2000" dirty="0"/>
+            </a:br>
+            <a:r>
+              <a:rPr lang="en-US" sz="2000" dirty="0"/>
+              <a:t>Part of the top 10, at number 7, is the state capitol.</a:t>
+            </a:r>
+          </a:p>
+        </p:txBody>
+      </p:sp>
+      <p:pic>
+        <p:nvPicPr>
+          <p:cNvPr id="5" name="Content Placeholder 4" descr="Map&#10;&#10;Description automatically generated">
+            <a:extLst>
+              <a:ext uri="{FF2B5EF4-FFF2-40B4-BE49-F238E27FC236}">
+                <a16:creationId xmlns:a16="http://schemas.microsoft.com/office/drawing/2014/main" id="{FE77BB13-8A49-4150-989B-2FABE966EF6C}"/>
+              </a:ext>
+            </a:extLst>
+          </p:cNvPr>
+          <p:cNvPicPr>
+            <a:picLocks noGrp="1" noChangeAspect="1"/>
+          </p:cNvPicPr>
+          <p:nvPr>
+            <p:ph idx="1"/>
+          </p:nvPr>
+        </p:nvPicPr>
+        <p:blipFill>
+          <a:blip r:embed="rId2">
+            <a:extLst>
+              <a:ext uri="{28A0092B-C50C-407E-A947-70E740481C1C}">
+                <a14:useLocalDpi xmlns:a14="http://schemas.microsoft.com/office/drawing/2010/main" val="0"/>
+              </a:ext>
+            </a:extLst>
+          </a:blip>
+          <a:stretch>
+            <a:fillRect/>
+          </a:stretch>
+        </p:blipFill>
+        <p:spPr>
+          <a:xfrm>
+            <a:off x="7627834" y="365760"/>
+            <a:ext cx="4470604" cy="6335486"/>
+          </a:xfrm>
+        </p:spPr>
+      </p:pic>
+      <p:pic>
+        <p:nvPicPr>
+          <p:cNvPr id="7" name="Picture 6" descr="A picture containing text, bottle, screen&#10;&#10;Description automatically generated">
+            <a:extLst>
+              <a:ext uri="{FF2B5EF4-FFF2-40B4-BE49-F238E27FC236}">
+                <a16:creationId xmlns:a16="http://schemas.microsoft.com/office/drawing/2014/main" id="{91BA63DB-1537-4F6B-9629-4CE7E6C42089}"/>
+              </a:ext>
+            </a:extLst>
+          </p:cNvPr>
+          <p:cNvPicPr>
+            <a:picLocks noChangeAspect="1"/>
+          </p:cNvPicPr>
+          <p:nvPr/>
+        </p:nvPicPr>
+        <p:blipFill>
+          <a:blip r:embed="rId3">
+            <a:extLst>
+              <a:ext uri="{28A0092B-C50C-407E-A947-70E740481C1C}">
+                <a14:useLocalDpi xmlns:a14="http://schemas.microsoft.com/office/drawing/2010/main" val="0"/>
+              </a:ext>
+            </a:extLst>
+          </a:blip>
+          <a:stretch>
+            <a:fillRect/>
+          </a:stretch>
+        </p:blipFill>
+        <p:spPr>
+          <a:xfrm>
+            <a:off x="4996467" y="3614349"/>
+            <a:ext cx="2575353" cy="3086897"/>
+          </a:xfrm>
+          <a:prstGeom prst="rect">
+            <a:avLst/>
+          </a:prstGeom>
+        </p:spPr>
+      </p:pic>
+      <p:pic>
+        <p:nvPicPr>
+          <p:cNvPr id="9" name="Picture 8" descr="A picture containing background pattern&#10;&#10;Description automatically generated">
+            <a:extLst>
+              <a:ext uri="{FF2B5EF4-FFF2-40B4-BE49-F238E27FC236}">
+                <a16:creationId xmlns:a16="http://schemas.microsoft.com/office/drawing/2014/main" id="{79E9356D-8E9F-4945-B211-C3E0BFC40E09}"/>
+              </a:ext>
+            </a:extLst>
+          </p:cNvPr>
+          <p:cNvPicPr>
+            <a:picLocks noChangeAspect="1"/>
+          </p:cNvPicPr>
+          <p:nvPr/>
+        </p:nvPicPr>
+        <p:blipFill>
+          <a:blip r:embed="rId4">
+            <a:extLst>
+              <a:ext uri="{28A0092B-C50C-407E-A947-70E740481C1C}">
+                <a14:useLocalDpi xmlns:a14="http://schemas.microsoft.com/office/drawing/2010/main" val="0"/>
+              </a:ext>
+            </a:extLst>
+          </a:blip>
+          <a:stretch>
+            <a:fillRect/>
+          </a:stretch>
+        </p:blipFill>
+        <p:spPr>
+          <a:xfrm>
+            <a:off x="0" y="3340359"/>
+            <a:ext cx="4470605" cy="3497508"/>
+          </a:xfrm>
+          <a:prstGeom prst="rect">
+            <a:avLst/>
+          </a:prstGeom>
+        </p:spPr>
+      </p:pic>
+    </p:spTree>
+    <p:extLst>
+      <p:ext uri="{BB962C8B-B14F-4D97-AF65-F5344CB8AC3E}">
+        <p14:creationId xmlns:p14="http://schemas.microsoft.com/office/powerpoint/2010/main" val="3857810240"/>
+      </p:ext>
+    </p:extLst>
+  </p:cSld>
+  <p:clrMapOvr>
+    <a:masterClrMapping/>
+  </p:clrMapOvr>
+</p:sld>
+</file>
+
+<file path=ppt/slides/slide15.xml><?xml version="1.0" encoding="utf-8"?>
+<p:sld xmlns:a="http://schemas.openxmlformats.org/drawingml/2006/main" xmlns:r="http://schemas.openxmlformats.org/officeDocument/2006/relationships" xmlns:p="http://schemas.openxmlformats.org/presentationml/2006/main">
+  <p:cSld>
+    <p:spTree>
+      <p:nvGrpSpPr>
+        <p:cNvPr id="1" name=""/>
+        <p:cNvGrpSpPr/>
+        <p:nvPr/>
+      </p:nvGrpSpPr>
+      <p:grpSpPr>
+        <a:xfrm>
+          <a:off x="0" y="0"/>
+          <a:ext cx="0" cy="0"/>
+          <a:chOff x="0" y="0"/>
+          <a:chExt cx="0" cy="0"/>
+        </a:xfrm>
+      </p:grpSpPr>
+      <p:sp>
+        <p:nvSpPr>
+          <p:cNvPr id="2" name="Title 1">
+            <a:extLst>
+              <a:ext uri="{FF2B5EF4-FFF2-40B4-BE49-F238E27FC236}">
+                <a16:creationId xmlns:a16="http://schemas.microsoft.com/office/drawing/2014/main" id="{730470C0-917B-44BC-91DB-36A56620B4EC}"/>
+              </a:ext>
+            </a:extLst>
+          </p:cNvPr>
+          <p:cNvSpPr>
+            <a:spLocks noGrp="1"/>
+          </p:cNvSpPr>
+          <p:nvPr>
+            <p:ph type="title"/>
+          </p:nvPr>
+        </p:nvSpPr>
+        <p:spPr/>
+        <p:txBody>
+          <a:bodyPr/>
+          <a:lstStyle/>
+          <a:p>
+            <a:r>
+              <a:rPr lang="en-US" dirty="0"/>
+              <a:t>Conclusion</a:t>
+            </a:r>
+          </a:p>
+        </p:txBody>
+      </p:sp>
+      <p:sp>
+        <p:nvSpPr>
+          <p:cNvPr id="3" name="Content Placeholder 2">
+            <a:extLst>
+              <a:ext uri="{FF2B5EF4-FFF2-40B4-BE49-F238E27FC236}">
+                <a16:creationId xmlns:a16="http://schemas.microsoft.com/office/drawing/2014/main" id="{F25ECB87-0CBC-4FDF-BFA0-8A30306FDCC1}"/>
+              </a:ext>
+            </a:extLst>
+          </p:cNvPr>
+          <p:cNvSpPr>
+            <a:spLocks noGrp="1"/>
+          </p:cNvSpPr>
+          <p:nvPr>
+            <p:ph idx="1"/>
+          </p:nvPr>
+        </p:nvSpPr>
+        <p:spPr/>
+        <p:txBody>
+          <a:bodyPr/>
+          <a:lstStyle/>
+          <a:p>
+            <a:pPr marL="0" indent="0">
+              <a:buNone/>
+            </a:pPr>
+            <a:r>
+              <a:rPr lang="en-US" sz="1800" dirty="0">
+                <a:effectLst/>
+                <a:latin typeface="Calibri" panose="020F0502020204030204" pitchFamily="34" charset="0"/>
+                <a:ea typeface="Calibri" panose="020F0502020204030204" pitchFamily="34" charset="0"/>
+                <a:cs typeface="Times New Roman" panose="02020603050405020304" pitchFamily="18" charset="0"/>
+              </a:rPr>
+              <a:t>The zip code with the majority of crimes committed was located on the North side of Austin. Part of the top ten zip codes includes the state capitol at number seven with 13,640. Within these years, 2020 had the most of crimes that occurred with 75,292.</a:t>
+            </a:r>
+          </a:p>
+          <a:p>
+            <a:endParaRPr lang="en-US" dirty="0"/>
+          </a:p>
+        </p:txBody>
+      </p:sp>
+    </p:spTree>
+    <p:extLst>
+      <p:ext uri="{BB962C8B-B14F-4D97-AF65-F5344CB8AC3E}">
+        <p14:creationId xmlns:p14="http://schemas.microsoft.com/office/powerpoint/2010/main" val="779207885"/>
+      </p:ext>
+    </p:extLst>
+  </p:cSld>
+  <p:clrMapOvr>
+    <a:masterClrMapping/>
+  </p:clrMapOvr>
+</p:sld>
+</file>
+
 <file path=ppt/slides/slide2.xml><?xml version="1.0" encoding="utf-8"?>
 <p:sld xmlns:a="http://schemas.openxmlformats.org/drawingml/2006/main" xmlns:r="http://schemas.openxmlformats.org/officeDocument/2006/relationships" xmlns:p="http://schemas.openxmlformats.org/presentationml/2006/main">
   <p:cSld>
